--- a/result/diagram_xgb.pptx
+++ b/result/diagram_xgb.pptx
@@ -262,7 +262,7 @@
           <a:p>
             <a:fld id="{7B0996E7-9C01-4A93-99B7-3C324E49CD1E}" type="datetimeFigureOut">
               <a:rPr lang="ko-KR" altLang="en-US" smtClean="0"/>
-              <a:t>2022-12-24</a:t>
+              <a:t>2022-12-31</a:t>
             </a:fld>
             <a:endParaRPr lang="ko-KR" altLang="en-US"/>
           </a:p>
@@ -460,7 +460,7 @@
           <a:p>
             <a:fld id="{7B0996E7-9C01-4A93-99B7-3C324E49CD1E}" type="datetimeFigureOut">
               <a:rPr lang="ko-KR" altLang="en-US" smtClean="0"/>
-              <a:t>2022-12-24</a:t>
+              <a:t>2022-12-31</a:t>
             </a:fld>
             <a:endParaRPr lang="ko-KR" altLang="en-US"/>
           </a:p>
@@ -668,7 +668,7 @@
           <a:p>
             <a:fld id="{7B0996E7-9C01-4A93-99B7-3C324E49CD1E}" type="datetimeFigureOut">
               <a:rPr lang="ko-KR" altLang="en-US" smtClean="0"/>
-              <a:t>2022-12-24</a:t>
+              <a:t>2022-12-31</a:t>
             </a:fld>
             <a:endParaRPr lang="ko-KR" altLang="en-US"/>
           </a:p>
@@ -866,7 +866,7 @@
           <a:p>
             <a:fld id="{7B0996E7-9C01-4A93-99B7-3C324E49CD1E}" type="datetimeFigureOut">
               <a:rPr lang="ko-KR" altLang="en-US" smtClean="0"/>
-              <a:t>2022-12-24</a:t>
+              <a:t>2022-12-31</a:t>
             </a:fld>
             <a:endParaRPr lang="ko-KR" altLang="en-US"/>
           </a:p>
@@ -1141,7 +1141,7 @@
           <a:p>
             <a:fld id="{7B0996E7-9C01-4A93-99B7-3C324E49CD1E}" type="datetimeFigureOut">
               <a:rPr lang="ko-KR" altLang="en-US" smtClean="0"/>
-              <a:t>2022-12-24</a:t>
+              <a:t>2022-12-31</a:t>
             </a:fld>
             <a:endParaRPr lang="ko-KR" altLang="en-US"/>
           </a:p>
@@ -1406,7 +1406,7 @@
           <a:p>
             <a:fld id="{7B0996E7-9C01-4A93-99B7-3C324E49CD1E}" type="datetimeFigureOut">
               <a:rPr lang="ko-KR" altLang="en-US" smtClean="0"/>
-              <a:t>2022-12-24</a:t>
+              <a:t>2022-12-31</a:t>
             </a:fld>
             <a:endParaRPr lang="ko-KR" altLang="en-US"/>
           </a:p>
@@ -1818,7 +1818,7 @@
           <a:p>
             <a:fld id="{7B0996E7-9C01-4A93-99B7-3C324E49CD1E}" type="datetimeFigureOut">
               <a:rPr lang="ko-KR" altLang="en-US" smtClean="0"/>
-              <a:t>2022-12-24</a:t>
+              <a:t>2022-12-31</a:t>
             </a:fld>
             <a:endParaRPr lang="ko-KR" altLang="en-US"/>
           </a:p>
@@ -1959,7 +1959,7 @@
           <a:p>
             <a:fld id="{7B0996E7-9C01-4A93-99B7-3C324E49CD1E}" type="datetimeFigureOut">
               <a:rPr lang="ko-KR" altLang="en-US" smtClean="0"/>
-              <a:t>2022-12-24</a:t>
+              <a:t>2022-12-31</a:t>
             </a:fld>
             <a:endParaRPr lang="ko-KR" altLang="en-US"/>
           </a:p>
@@ -2072,7 +2072,7 @@
           <a:p>
             <a:fld id="{7B0996E7-9C01-4A93-99B7-3C324E49CD1E}" type="datetimeFigureOut">
               <a:rPr lang="ko-KR" altLang="en-US" smtClean="0"/>
-              <a:t>2022-12-24</a:t>
+              <a:t>2022-12-31</a:t>
             </a:fld>
             <a:endParaRPr lang="ko-KR" altLang="en-US"/>
           </a:p>
@@ -2383,7 +2383,7 @@
           <a:p>
             <a:fld id="{7B0996E7-9C01-4A93-99B7-3C324E49CD1E}" type="datetimeFigureOut">
               <a:rPr lang="ko-KR" altLang="en-US" smtClean="0"/>
-              <a:t>2022-12-24</a:t>
+              <a:t>2022-12-31</a:t>
             </a:fld>
             <a:endParaRPr lang="ko-KR" altLang="en-US"/>
           </a:p>
@@ -2671,7 +2671,7 @@
           <a:p>
             <a:fld id="{7B0996E7-9C01-4A93-99B7-3C324E49CD1E}" type="datetimeFigureOut">
               <a:rPr lang="ko-KR" altLang="en-US" smtClean="0"/>
-              <a:t>2022-12-24</a:t>
+              <a:t>2022-12-31</a:t>
             </a:fld>
             <a:endParaRPr lang="ko-KR" altLang="en-US"/>
           </a:p>
@@ -2912,7 +2912,7 @@
           <a:p>
             <a:fld id="{7B0996E7-9C01-4A93-99B7-3C324E49CD1E}" type="datetimeFigureOut">
               <a:rPr lang="ko-KR" altLang="en-US" smtClean="0"/>
-              <a:t>2022-12-24</a:t>
+              <a:t>2022-12-31</a:t>
             </a:fld>
             <a:endParaRPr lang="ko-KR" altLang="en-US"/>
           </a:p>
@@ -3344,7 +3344,7 @@
           <p:nvPr>
             <p:extLst>
               <p:ext uri="{D42A27DB-BD31-4B8C-83A1-F6EECF244321}">
-                <p14:modId xmlns:p14="http://schemas.microsoft.com/office/powerpoint/2010/main" val="1488433438"/>
+                <p14:modId xmlns:p14="http://schemas.microsoft.com/office/powerpoint/2010/main" val="423203845"/>
               </p:ext>
             </p:extLst>
           </p:nvPr>
@@ -3543,7 +3543,7 @@
                     <a:p>
                       <a:pPr algn="ctr" latinLnBrk="1"/>
                       <a:r>
-                        <a:rPr lang="en-US" altLang="ko-KR" dirty="0" smtClean="0">
+                        <a:rPr lang="en-US" altLang="ko-KR" dirty="0">
                           <a:latin typeface="Times New Roman" panose="02020603050405020304" pitchFamily="18" charset="0"/>
                           <a:cs typeface="Times New Roman" panose="02020603050405020304" pitchFamily="18" charset="0"/>
                         </a:rPr>
@@ -3553,7 +3553,7 @@
                     <a:p>
                       <a:pPr algn="ctr" latinLnBrk="1"/>
                       <a:r>
-                        <a:rPr lang="en-US" altLang="ko-KR" dirty="0" smtClean="0">
+                        <a:rPr lang="en-US" altLang="ko-KR" dirty="0">
                           <a:latin typeface="Times New Roman" panose="02020603050405020304" pitchFamily="18" charset="0"/>
                           <a:cs typeface="Times New Roman" panose="02020603050405020304" pitchFamily="18" charset="0"/>
                         </a:rPr>
@@ -3563,26 +3563,53 @@
                     <a:p>
                       <a:pPr algn="ctr" latinLnBrk="1"/>
                       <a:r>
-                        <a:rPr lang="en-US" altLang="ko-KR" dirty="0" smtClean="0">
+                        <a:rPr lang="en-US" altLang="ko-KR" dirty="0">
                           <a:latin typeface="Times New Roman" panose="02020603050405020304" pitchFamily="18" charset="0"/>
                           <a:cs typeface="Times New Roman" panose="02020603050405020304" pitchFamily="18" charset="0"/>
                         </a:rPr>
                         <a:t>0.87594</a:t>
                       </a:r>
-                      <a:endParaRPr lang="ko-KR" altLang="en-US" dirty="0" smtClean="0">
-                        <a:latin typeface="Times New Roman" panose="02020603050405020304" pitchFamily="18" charset="0"/>
-                        <a:cs typeface="Times New Roman" panose="02020603050405020304" pitchFamily="18" charset="0"/>
-                      </a:endParaRPr>
-                    </a:p>
-                  </a:txBody>
-                  <a:tcPr/>
-                </a:tc>
-                <a:tc>
-                  <a:txBody>
-                    <a:bodyPr/>
-                    <a:lstStyle/>
-                    <a:p>
-                      <a:pPr algn="ctr" latinLnBrk="1"/>
+                      <a:endParaRPr lang="ko-KR" altLang="en-US" dirty="0">
+                        <a:latin typeface="Times New Roman" panose="02020603050405020304" pitchFamily="18" charset="0"/>
+                        <a:cs typeface="Times New Roman" panose="02020603050405020304" pitchFamily="18" charset="0"/>
+                      </a:endParaRPr>
+                    </a:p>
+                  </a:txBody>
+                  <a:tcPr/>
+                </a:tc>
+                <a:tc>
+                  <a:txBody>
+                    <a:bodyPr/>
+                    <a:lstStyle/>
+                    <a:p>
+                      <a:pPr algn="ctr" latinLnBrk="1"/>
+                      <a:r>
+                        <a:rPr lang="en-US" altLang="ko-KR" dirty="0">
+                          <a:latin typeface="Times New Roman" panose="02020603050405020304" pitchFamily="18" charset="0"/>
+                          <a:cs typeface="Times New Roman" panose="02020603050405020304" pitchFamily="18" charset="0"/>
+                        </a:rPr>
+                        <a:t>0.99678/</a:t>
+                      </a:r>
+                    </a:p>
+                    <a:p>
+                      <a:pPr algn="ctr" latinLnBrk="1"/>
+                      <a:r>
+                        <a:rPr lang="en-US" altLang="ko-KR" dirty="0">
+                          <a:latin typeface="Times New Roman" panose="02020603050405020304" pitchFamily="18" charset="0"/>
+                          <a:cs typeface="Times New Roman" panose="02020603050405020304" pitchFamily="18" charset="0"/>
+                        </a:rPr>
+                        <a:t>0.90344/</a:t>
+                      </a:r>
+                    </a:p>
+                    <a:p>
+                      <a:pPr algn="ctr" latinLnBrk="1"/>
+                      <a:r>
+                        <a:rPr lang="en-US" altLang="ko-KR" dirty="0">
+                          <a:latin typeface="Times New Roman" panose="02020603050405020304" pitchFamily="18" charset="0"/>
+                          <a:cs typeface="Times New Roman" panose="02020603050405020304" pitchFamily="18" charset="0"/>
+                        </a:rPr>
+                        <a:t>0.67857</a:t>
+                      </a:r>
                       <a:endParaRPr lang="ko-KR" altLang="en-US" dirty="0">
                         <a:latin typeface="Times New Roman" panose="02020603050405020304" pitchFamily="18" charset="0"/>
                         <a:cs typeface="Times New Roman" panose="02020603050405020304" pitchFamily="18" charset="0"/>
@@ -3681,7 +3708,7 @@
                     <a:p>
                       <a:pPr algn="ctr" latinLnBrk="1"/>
                       <a:r>
-                        <a:rPr lang="en-US" altLang="ko-KR" dirty="0" smtClean="0">
+                        <a:rPr lang="en-US" altLang="ko-KR" dirty="0">
                           <a:latin typeface="Times New Roman" panose="02020603050405020304" pitchFamily="18" charset="0"/>
                           <a:cs typeface="Times New Roman" panose="02020603050405020304" pitchFamily="18" charset="0"/>
                         </a:rPr>
@@ -3691,7 +3718,7 @@
                     <a:p>
                       <a:pPr algn="ctr" latinLnBrk="1"/>
                       <a:r>
-                        <a:rPr lang="en-US" altLang="ko-KR" dirty="0" smtClean="0">
+                        <a:rPr lang="en-US" altLang="ko-KR" dirty="0">
                           <a:latin typeface="Times New Roman" panose="02020603050405020304" pitchFamily="18" charset="0"/>
                           <a:cs typeface="Times New Roman" panose="02020603050405020304" pitchFamily="18" charset="0"/>
                         </a:rPr>
@@ -3701,26 +3728,53 @@
                     <a:p>
                       <a:pPr algn="ctr" latinLnBrk="1"/>
                       <a:r>
-                        <a:rPr lang="en-US" altLang="ko-KR" dirty="0" smtClean="0">
+                        <a:rPr lang="en-US" altLang="ko-KR" dirty="0">
                           <a:latin typeface="Times New Roman" panose="02020603050405020304" pitchFamily="18" charset="0"/>
                           <a:cs typeface="Times New Roman" panose="02020603050405020304" pitchFamily="18" charset="0"/>
                         </a:rPr>
                         <a:t>0.88656</a:t>
                       </a:r>
-                      <a:endParaRPr lang="ko-KR" altLang="en-US" dirty="0" smtClean="0">
-                        <a:latin typeface="Times New Roman" panose="02020603050405020304" pitchFamily="18" charset="0"/>
-                        <a:cs typeface="Times New Roman" panose="02020603050405020304" pitchFamily="18" charset="0"/>
-                      </a:endParaRPr>
-                    </a:p>
-                  </a:txBody>
-                  <a:tcPr/>
-                </a:tc>
-                <a:tc>
-                  <a:txBody>
-                    <a:bodyPr/>
-                    <a:lstStyle/>
-                    <a:p>
-                      <a:pPr algn="ctr" latinLnBrk="1"/>
+                      <a:endParaRPr lang="ko-KR" altLang="en-US" dirty="0">
+                        <a:latin typeface="Times New Roman" panose="02020603050405020304" pitchFamily="18" charset="0"/>
+                        <a:cs typeface="Times New Roman" panose="02020603050405020304" pitchFamily="18" charset="0"/>
+                      </a:endParaRPr>
+                    </a:p>
+                  </a:txBody>
+                  <a:tcPr/>
+                </a:tc>
+                <a:tc>
+                  <a:txBody>
+                    <a:bodyPr/>
+                    <a:lstStyle/>
+                    <a:p>
+                      <a:pPr algn="ctr" latinLnBrk="1"/>
+                      <a:r>
+                        <a:rPr lang="en-US" altLang="ko-KR" dirty="0">
+                          <a:latin typeface="Times New Roman" panose="02020603050405020304" pitchFamily="18" charset="0"/>
+                          <a:cs typeface="Times New Roman" panose="02020603050405020304" pitchFamily="18" charset="0"/>
+                        </a:rPr>
+                        <a:t>0.99696/</a:t>
+                      </a:r>
+                    </a:p>
+                    <a:p>
+                      <a:pPr algn="ctr" latinLnBrk="1"/>
+                      <a:r>
+                        <a:rPr lang="en-US" altLang="ko-KR" dirty="0">
+                          <a:latin typeface="Times New Roman" panose="02020603050405020304" pitchFamily="18" charset="0"/>
+                          <a:cs typeface="Times New Roman" panose="02020603050405020304" pitchFamily="18" charset="0"/>
+                        </a:rPr>
+                        <a:t>0.91069/</a:t>
+                      </a:r>
+                    </a:p>
+                    <a:p>
+                      <a:pPr algn="ctr" latinLnBrk="1"/>
+                      <a:r>
+                        <a:rPr lang="en-US" altLang="ko-KR" dirty="0">
+                          <a:latin typeface="Times New Roman" panose="02020603050405020304" pitchFamily="18" charset="0"/>
+                          <a:cs typeface="Times New Roman" panose="02020603050405020304" pitchFamily="18" charset="0"/>
+                        </a:rPr>
+                        <a:t>0.70536</a:t>
+                      </a:r>
                       <a:endParaRPr lang="ko-KR" altLang="en-US" dirty="0">
                         <a:latin typeface="Times New Roman" panose="02020603050405020304" pitchFamily="18" charset="0"/>
                         <a:cs typeface="Times New Roman" panose="02020603050405020304" pitchFamily="18" charset="0"/>
@@ -3792,7 +3846,7 @@
                     <a:p>
                       <a:pPr algn="ctr" latinLnBrk="1"/>
                       <a:r>
-                        <a:rPr lang="en-US" altLang="ko-KR" dirty="0" smtClean="0">
+                        <a:rPr lang="en-US" altLang="ko-KR" dirty="0">
                           <a:latin typeface="Times New Roman" panose="02020603050405020304" pitchFamily="18" charset="0"/>
                           <a:cs typeface="Times New Roman" panose="02020603050405020304" pitchFamily="18" charset="0"/>
                         </a:rPr>
@@ -3812,7 +3866,34 @@
                     <a:lstStyle/>
                     <a:p>
                       <a:pPr algn="ctr" latinLnBrk="1"/>
-                      <a:endParaRPr lang="ko-KR" altLang="en-US">
+                      <a:r>
+                        <a:rPr lang="en-US" altLang="ko-KR" dirty="0">
+                          <a:latin typeface="Times New Roman" panose="02020603050405020304" pitchFamily="18" charset="0"/>
+                          <a:cs typeface="Times New Roman" panose="02020603050405020304" pitchFamily="18" charset="0"/>
+                        </a:rPr>
+                        <a:t>0.99651/</a:t>
+                      </a:r>
+                    </a:p>
+                    <a:p>
+                      <a:pPr algn="ctr" latinLnBrk="1"/>
+                      <a:r>
+                        <a:rPr lang="en-US" altLang="ko-KR" dirty="0">
+                          <a:latin typeface="Times New Roman" panose="02020603050405020304" pitchFamily="18" charset="0"/>
+                          <a:cs typeface="Times New Roman" panose="02020603050405020304" pitchFamily="18" charset="0"/>
+                        </a:rPr>
+                        <a:t>0.89484/</a:t>
+                      </a:r>
+                    </a:p>
+                    <a:p>
+                      <a:pPr algn="ctr" latinLnBrk="1"/>
+                      <a:r>
+                        <a:rPr lang="en-US" altLang="ko-KR" dirty="0">
+                          <a:latin typeface="Times New Roman" panose="02020603050405020304" pitchFamily="18" charset="0"/>
+                          <a:cs typeface="Times New Roman" panose="02020603050405020304" pitchFamily="18" charset="0"/>
+                        </a:rPr>
+                        <a:t>0.66071</a:t>
+                      </a:r>
+                      <a:endParaRPr lang="ko-KR" altLang="en-US" dirty="0">
                         <a:latin typeface="Times New Roman" panose="02020603050405020304" pitchFamily="18" charset="0"/>
                         <a:cs typeface="Times New Roman" panose="02020603050405020304" pitchFamily="18" charset="0"/>
                       </a:endParaRPr>
@@ -6230,31 +6311,24 @@
                     <a:p>
                       <a:pPr algn="ctr" latinLnBrk="1"/>
                       <a:r>
-                        <a:rPr lang="en-US" altLang="ko-KR" dirty="0" smtClean="0">
-                          <a:latin typeface="Times New Roman" panose="02020603050405020304" pitchFamily="18" charset="0"/>
-                          <a:cs typeface="Times New Roman" panose="02020603050405020304" pitchFamily="18" charset="0"/>
-                        </a:rPr>
-                        <a:t>0.99857 </a:t>
-                      </a:r>
-                      <a:r>
-                        <a:rPr lang="en-US" altLang="ko-KR" dirty="0">
-                          <a:latin typeface="Times New Roman" panose="02020603050405020304" pitchFamily="18" charset="0"/>
-                          <a:cs typeface="Times New Roman" panose="02020603050405020304" pitchFamily="18" charset="0"/>
-                        </a:rPr>
-                        <a:t>/</a:t>
-                      </a:r>
-                    </a:p>
-                    <a:p>
-                      <a:pPr algn="ctr" latinLnBrk="1"/>
-                      <a:r>
-                        <a:rPr lang="en-US" altLang="ko-KR" dirty="0" smtClean="0">
+                        <a:rPr lang="en-US" altLang="ko-KR" dirty="0">
+                          <a:latin typeface="Times New Roman" panose="02020603050405020304" pitchFamily="18" charset="0"/>
+                          <a:cs typeface="Times New Roman" panose="02020603050405020304" pitchFamily="18" charset="0"/>
+                        </a:rPr>
+                        <a:t>0.99857 /</a:t>
+                      </a:r>
+                    </a:p>
+                    <a:p>
+                      <a:pPr algn="ctr" latinLnBrk="1"/>
+                      <a:r>
+                        <a:rPr lang="en-US" altLang="ko-KR" dirty="0">
                           <a:latin typeface="Times New Roman" panose="02020603050405020304" pitchFamily="18" charset="0"/>
                           <a:cs typeface="Times New Roman" panose="02020603050405020304" pitchFamily="18" charset="0"/>
                         </a:rPr>
                         <a:t>0.96154 /</a:t>
                       </a:r>
                       <a:r>
-                        <a:rPr lang="en-US" altLang="ko-KR" baseline="0" dirty="0" smtClean="0">
+                        <a:rPr lang="en-US" altLang="ko-KR" baseline="0" dirty="0">
                           <a:latin typeface="Times New Roman" panose="02020603050405020304" pitchFamily="18" charset="0"/>
                           <a:cs typeface="Times New Roman" panose="02020603050405020304" pitchFamily="18" charset="0"/>
                         </a:rPr>
@@ -6275,7 +6349,7 @@
                     <a:p>
                       <a:pPr algn="ctr" latinLnBrk="1"/>
                       <a:r>
-                        <a:rPr lang="en-US" altLang="ko-KR" dirty="0" smtClean="0">
+                        <a:rPr lang="en-US" altLang="ko-KR" dirty="0">
                           <a:latin typeface="Times New Roman" panose="02020603050405020304" pitchFamily="18" charset="0"/>
                           <a:cs typeface="Times New Roman" panose="02020603050405020304" pitchFamily="18" charset="0"/>
                         </a:rPr>
@@ -6285,14 +6359,14 @@
                     <a:p>
                       <a:pPr algn="ctr" latinLnBrk="1"/>
                       <a:r>
-                        <a:rPr lang="en-US" altLang="ko-KR" dirty="0" smtClean="0">
+                        <a:rPr lang="en-US" altLang="ko-KR" dirty="0">
                           <a:latin typeface="Times New Roman" panose="02020603050405020304" pitchFamily="18" charset="0"/>
                           <a:cs typeface="Times New Roman" panose="02020603050405020304" pitchFamily="18" charset="0"/>
                         </a:rPr>
                         <a:t>0.96666 /</a:t>
                       </a:r>
                       <a:r>
-                        <a:rPr lang="en-US" altLang="ko-KR" baseline="0" dirty="0" smtClean="0">
+                        <a:rPr lang="en-US" altLang="ko-KR" baseline="0" dirty="0">
                           <a:latin typeface="Times New Roman" panose="02020603050405020304" pitchFamily="18" charset="0"/>
                           <a:cs typeface="Times New Roman" panose="02020603050405020304" pitchFamily="18" charset="0"/>
                         </a:rPr>
@@ -6313,7 +6387,7 @@
                     <a:p>
                       <a:pPr algn="ctr" latinLnBrk="1"/>
                       <a:r>
-                        <a:rPr lang="en-US" altLang="ko-KR" dirty="0" smtClean="0">
+                        <a:rPr lang="en-US" altLang="ko-KR" dirty="0">
                           <a:latin typeface="Times New Roman" panose="02020603050405020304" pitchFamily="18" charset="0"/>
                           <a:cs typeface="Times New Roman" panose="02020603050405020304" pitchFamily="18" charset="0"/>
                         </a:rPr>
@@ -6323,35 +6397,35 @@
                     <a:p>
                       <a:pPr algn="ctr" latinLnBrk="1"/>
                       <a:r>
-                        <a:rPr lang="en-US" altLang="ko-KR" dirty="0" smtClean="0">
+                        <a:rPr lang="en-US" altLang="ko-KR" dirty="0">
                           <a:latin typeface="Times New Roman" panose="02020603050405020304" pitchFamily="18" charset="0"/>
                           <a:cs typeface="Times New Roman" panose="02020603050405020304" pitchFamily="18" charset="0"/>
                         </a:rPr>
                         <a:t>0.96445 /</a:t>
                       </a:r>
                       <a:r>
-                        <a:rPr lang="en-US" altLang="ko-KR" baseline="0" dirty="0" smtClean="0">
+                        <a:rPr lang="en-US" altLang="ko-KR" baseline="0" dirty="0">
                           <a:latin typeface="Times New Roman" panose="02020603050405020304" pitchFamily="18" charset="0"/>
                           <a:cs typeface="Times New Roman" panose="02020603050405020304" pitchFamily="18" charset="0"/>
                         </a:rPr>
                         <a:t> 0.87611</a:t>
                       </a:r>
-                      <a:endParaRPr lang="ko-KR" altLang="en-US" dirty="0" smtClean="0">
-                        <a:latin typeface="Times New Roman" panose="02020603050405020304" pitchFamily="18" charset="0"/>
-                        <a:cs typeface="Times New Roman" panose="02020603050405020304" pitchFamily="18" charset="0"/>
-                      </a:endParaRPr>
-                    </a:p>
-                  </a:txBody>
-                  <a:tcPr/>
-                </a:tc>
-                <a:tc>
-                  <a:txBody>
-                    <a:bodyPr/>
-                    <a:lstStyle/>
-                    <a:p>
-                      <a:pPr algn="ctr" latinLnBrk="1"/>
-                      <a:r>
-                        <a:rPr lang="en-US" altLang="ko-KR" dirty="0" smtClean="0">
+                      <a:endParaRPr lang="ko-KR" altLang="en-US" dirty="0">
+                        <a:latin typeface="Times New Roman" panose="02020603050405020304" pitchFamily="18" charset="0"/>
+                        <a:cs typeface="Times New Roman" panose="02020603050405020304" pitchFamily="18" charset="0"/>
+                      </a:endParaRPr>
+                    </a:p>
+                  </a:txBody>
+                  <a:tcPr/>
+                </a:tc>
+                <a:tc>
+                  <a:txBody>
+                    <a:bodyPr/>
+                    <a:lstStyle/>
+                    <a:p>
+                      <a:pPr algn="ctr" latinLnBrk="1"/>
+                      <a:r>
+                        <a:rPr lang="en-US" altLang="ko-KR" dirty="0">
                           <a:latin typeface="Times New Roman" panose="02020603050405020304" pitchFamily="18" charset="0"/>
                           <a:cs typeface="Times New Roman" panose="02020603050405020304" pitchFamily="18" charset="0"/>
                         </a:rPr>
@@ -6361,35 +6435,35 @@
                     <a:p>
                       <a:pPr algn="ctr" latinLnBrk="1"/>
                       <a:r>
-                        <a:rPr lang="en-US" altLang="ko-KR" dirty="0" smtClean="0">
+                        <a:rPr lang="en-US" altLang="ko-KR" dirty="0">
                           <a:latin typeface="Times New Roman" panose="02020603050405020304" pitchFamily="18" charset="0"/>
                           <a:cs typeface="Times New Roman" panose="02020603050405020304" pitchFamily="18" charset="0"/>
                         </a:rPr>
                         <a:t>0.96412 /</a:t>
                       </a:r>
                       <a:r>
-                        <a:rPr lang="en-US" altLang="ko-KR" baseline="0" dirty="0" smtClean="0">
+                        <a:rPr lang="en-US" altLang="ko-KR" baseline="0" dirty="0">
                           <a:latin typeface="Times New Roman" panose="02020603050405020304" pitchFamily="18" charset="0"/>
                           <a:cs typeface="Times New Roman" panose="02020603050405020304" pitchFamily="18" charset="0"/>
                         </a:rPr>
                         <a:t> 0.86726</a:t>
                       </a:r>
-                      <a:endParaRPr lang="ko-KR" altLang="en-US" dirty="0" smtClean="0">
-                        <a:latin typeface="Times New Roman" panose="02020603050405020304" pitchFamily="18" charset="0"/>
-                        <a:cs typeface="Times New Roman" panose="02020603050405020304" pitchFamily="18" charset="0"/>
-                      </a:endParaRPr>
-                    </a:p>
-                  </a:txBody>
-                  <a:tcPr/>
-                </a:tc>
-                <a:tc>
-                  <a:txBody>
-                    <a:bodyPr/>
-                    <a:lstStyle/>
-                    <a:p>
-                      <a:pPr algn="ctr" latinLnBrk="1"/>
-                      <a:r>
-                        <a:rPr lang="en-US" altLang="ko-KR" dirty="0" smtClean="0">
+                      <a:endParaRPr lang="ko-KR" altLang="en-US" dirty="0">
+                        <a:latin typeface="Times New Roman" panose="02020603050405020304" pitchFamily="18" charset="0"/>
+                        <a:cs typeface="Times New Roman" panose="02020603050405020304" pitchFamily="18" charset="0"/>
+                      </a:endParaRPr>
+                    </a:p>
+                  </a:txBody>
+                  <a:tcPr/>
+                </a:tc>
+                <a:tc>
+                  <a:txBody>
+                    <a:bodyPr/>
+                    <a:lstStyle/>
+                    <a:p>
+                      <a:pPr algn="ctr" latinLnBrk="1"/>
+                      <a:r>
+                        <a:rPr lang="en-US" altLang="ko-KR" dirty="0">
                           <a:latin typeface="Times New Roman" panose="02020603050405020304" pitchFamily="18" charset="0"/>
                           <a:cs typeface="Times New Roman" panose="02020603050405020304" pitchFamily="18" charset="0"/>
                         </a:rPr>
@@ -6399,14 +6473,14 @@
                     <a:p>
                       <a:pPr algn="ctr" latinLnBrk="1"/>
                       <a:r>
-                        <a:rPr lang="en-US" altLang="ko-KR" dirty="0" smtClean="0">
+                        <a:rPr lang="en-US" altLang="ko-KR" dirty="0">
                           <a:latin typeface="Times New Roman" panose="02020603050405020304" pitchFamily="18" charset="0"/>
                           <a:cs typeface="Times New Roman" panose="02020603050405020304" pitchFamily="18" charset="0"/>
                         </a:rPr>
                         <a:t>0.97393 /</a:t>
                       </a:r>
                       <a:r>
-                        <a:rPr lang="en-US" altLang="ko-KR" baseline="0" dirty="0" smtClean="0">
+                        <a:rPr lang="en-US" altLang="ko-KR" baseline="0" dirty="0">
                           <a:latin typeface="Times New Roman" panose="02020603050405020304" pitchFamily="18" charset="0"/>
                           <a:cs typeface="Times New Roman" panose="02020603050405020304" pitchFamily="18" charset="0"/>
                         </a:rPr>
@@ -6427,7 +6501,7 @@
                     <a:p>
                       <a:pPr algn="ctr" latinLnBrk="1"/>
                       <a:r>
-                        <a:rPr lang="en-US" altLang="ko-KR" dirty="0" smtClean="0">
+                        <a:rPr lang="en-US" altLang="ko-KR" dirty="0">
                           <a:latin typeface="Times New Roman" panose="02020603050405020304" pitchFamily="18" charset="0"/>
                           <a:cs typeface="Times New Roman" panose="02020603050405020304" pitchFamily="18" charset="0"/>
                         </a:rPr>
@@ -6437,7 +6511,7 @@
                     <a:p>
                       <a:pPr algn="ctr" latinLnBrk="1"/>
                       <a:r>
-                        <a:rPr lang="en-US" altLang="ko-KR" dirty="0" smtClean="0">
+                        <a:rPr lang="en-US" altLang="ko-KR" dirty="0">
                           <a:latin typeface="Times New Roman" panose="02020603050405020304" pitchFamily="18" charset="0"/>
                           <a:cs typeface="Times New Roman" panose="02020603050405020304" pitchFamily="18" charset="0"/>
                         </a:rPr>
@@ -6447,13 +6521,13 @@
                     <a:p>
                       <a:pPr algn="ctr" latinLnBrk="1"/>
                       <a:r>
-                        <a:rPr lang="en-US" altLang="ko-KR" dirty="0" smtClean="0">
+                        <a:rPr lang="en-US" altLang="ko-KR" dirty="0">
                           <a:latin typeface="Times New Roman" panose="02020603050405020304" pitchFamily="18" charset="0"/>
                           <a:cs typeface="Times New Roman" panose="02020603050405020304" pitchFamily="18" charset="0"/>
                         </a:rPr>
                         <a:t>0.87594</a:t>
                       </a:r>
-                      <a:endParaRPr lang="ko-KR" altLang="en-US" dirty="0" smtClean="0">
+                      <a:endParaRPr lang="ko-KR" altLang="en-US" dirty="0">
                         <a:latin typeface="Times New Roman" panose="02020603050405020304" pitchFamily="18" charset="0"/>
                         <a:cs typeface="Times New Roman" panose="02020603050405020304" pitchFamily="18" charset="0"/>
                       </a:endParaRPr>
@@ -6510,7 +6584,7 @@
                     <a:p>
                       <a:pPr algn="ctr" latinLnBrk="1"/>
                       <a:r>
-                        <a:rPr lang="en-US" altLang="ko-KR" dirty="0" smtClean="0">
+                        <a:rPr lang="en-US" altLang="ko-KR" dirty="0">
                           <a:latin typeface="Times New Roman" panose="02020603050405020304" pitchFamily="18" charset="0"/>
                           <a:cs typeface="Times New Roman" panose="02020603050405020304" pitchFamily="18" charset="0"/>
                         </a:rPr>
@@ -6520,14 +6594,14 @@
                     <a:p>
                       <a:pPr algn="ctr" latinLnBrk="1"/>
                       <a:r>
-                        <a:rPr lang="en-US" altLang="ko-KR" dirty="0" smtClean="0">
+                        <a:rPr lang="en-US" altLang="ko-KR" dirty="0">
                           <a:latin typeface="Times New Roman" panose="02020603050405020304" pitchFamily="18" charset="0"/>
                           <a:cs typeface="Times New Roman" panose="02020603050405020304" pitchFamily="18" charset="0"/>
                         </a:rPr>
                         <a:t>0.9545 /</a:t>
                       </a:r>
                       <a:r>
-                        <a:rPr lang="en-US" altLang="ko-KR" baseline="0" dirty="0" smtClean="0">
+                        <a:rPr lang="en-US" altLang="ko-KR" baseline="0" dirty="0">
                           <a:latin typeface="Times New Roman" panose="02020603050405020304" pitchFamily="18" charset="0"/>
                           <a:cs typeface="Times New Roman" panose="02020603050405020304" pitchFamily="18" charset="0"/>
                         </a:rPr>
@@ -6548,24 +6622,17 @@
                     <a:p>
                       <a:pPr algn="ctr" latinLnBrk="1"/>
                       <a:r>
-                        <a:rPr lang="en-US" altLang="ko-KR" dirty="0" smtClean="0">
-                          <a:latin typeface="Times New Roman" panose="02020603050405020304" pitchFamily="18" charset="0"/>
-                          <a:cs typeface="Times New Roman" panose="02020603050405020304" pitchFamily="18" charset="0"/>
-                        </a:rPr>
-                        <a:t>0.99848 </a:t>
-                      </a:r>
-                      <a:r>
-                        <a:rPr lang="en-US" altLang="ko-KR" dirty="0">
-                          <a:latin typeface="Times New Roman" panose="02020603050405020304" pitchFamily="18" charset="0"/>
-                          <a:cs typeface="Times New Roman" panose="02020603050405020304" pitchFamily="18" charset="0"/>
-                        </a:rPr>
-                        <a:t>/</a:t>
-                      </a:r>
-                    </a:p>
-                    <a:p>
-                      <a:pPr algn="ctr" latinLnBrk="1"/>
-                      <a:r>
-                        <a:rPr lang="en-US" altLang="ko-KR" dirty="0" smtClean="0">
+                        <a:rPr lang="en-US" altLang="ko-KR" dirty="0">
+                          <a:latin typeface="Times New Roman" panose="02020603050405020304" pitchFamily="18" charset="0"/>
+                          <a:cs typeface="Times New Roman" panose="02020603050405020304" pitchFamily="18" charset="0"/>
+                        </a:rPr>
+                        <a:t>0.99848 /</a:t>
+                      </a:r>
+                    </a:p>
+                    <a:p>
+                      <a:pPr algn="ctr" latinLnBrk="1"/>
+                      <a:r>
+                        <a:rPr lang="en-US" altLang="ko-KR" dirty="0">
                           <a:latin typeface="Times New Roman" panose="02020603050405020304" pitchFamily="18" charset="0"/>
                           <a:cs typeface="Times New Roman" panose="02020603050405020304" pitchFamily="18" charset="0"/>
                         </a:rPr>
@@ -6586,14 +6653,14 @@
                     <a:p>
                       <a:pPr algn="ctr" latinLnBrk="1"/>
                       <a:r>
-                        <a:rPr lang="en-US" altLang="ko-KR" dirty="0" smtClean="0">
+                        <a:rPr lang="en-US" altLang="ko-KR" dirty="0">
                           <a:latin typeface="Times New Roman" panose="02020603050405020304" pitchFamily="18" charset="0"/>
                           <a:cs typeface="Times New Roman" panose="02020603050405020304" pitchFamily="18" charset="0"/>
                         </a:rPr>
                         <a:t>0.99884</a:t>
                       </a:r>
                       <a:r>
-                        <a:rPr lang="en-US" altLang="ko-KR" baseline="0" dirty="0" smtClean="0">
+                        <a:rPr lang="en-US" altLang="ko-KR" baseline="0" dirty="0">
                           <a:latin typeface="Times New Roman" panose="02020603050405020304" pitchFamily="18" charset="0"/>
                           <a:cs typeface="Times New Roman" panose="02020603050405020304" pitchFamily="18" charset="0"/>
                         </a:rPr>
@@ -6614,7 +6681,7 @@
                     <a:p>
                       <a:pPr algn="ctr" latinLnBrk="1"/>
                       <a:r>
-                        <a:rPr lang="en-US" altLang="ko-KR" dirty="0" smtClean="0">
+                        <a:rPr lang="en-US" altLang="ko-KR" dirty="0">
                           <a:latin typeface="Times New Roman" panose="02020603050405020304" pitchFamily="18" charset="0"/>
                           <a:cs typeface="Times New Roman" panose="02020603050405020304" pitchFamily="18" charset="0"/>
                         </a:rPr>
@@ -6635,7 +6702,7 @@
                     <a:p>
                       <a:pPr algn="ctr" latinLnBrk="1"/>
                       <a:r>
-                        <a:rPr lang="en-US" altLang="ko-KR" dirty="0" smtClean="0">
+                        <a:rPr lang="en-US" altLang="ko-KR" dirty="0">
                           <a:latin typeface="Times New Roman" panose="02020603050405020304" pitchFamily="18" charset="0"/>
                           <a:cs typeface="Times New Roman" panose="02020603050405020304" pitchFamily="18" charset="0"/>
                         </a:rPr>
@@ -6656,7 +6723,7 @@
                     <a:p>
                       <a:pPr algn="ctr" latinLnBrk="1"/>
                       <a:r>
-                        <a:rPr lang="en-US" altLang="ko-KR" dirty="0" smtClean="0">
+                        <a:rPr lang="en-US" altLang="ko-KR" dirty="0">
                           <a:latin typeface="Times New Roman" panose="02020603050405020304" pitchFamily="18" charset="0"/>
                           <a:cs typeface="Times New Roman" panose="02020603050405020304" pitchFamily="18" charset="0"/>
                         </a:rPr>
@@ -6666,7 +6733,7 @@
                     <a:p>
                       <a:pPr algn="ctr" latinLnBrk="1"/>
                       <a:r>
-                        <a:rPr lang="en-US" altLang="ko-KR" dirty="0" smtClean="0">
+                        <a:rPr lang="en-US" altLang="ko-KR" dirty="0">
                           <a:latin typeface="Times New Roman" panose="02020603050405020304" pitchFamily="18" charset="0"/>
                           <a:cs typeface="Times New Roman" panose="02020603050405020304" pitchFamily="18" charset="0"/>
                         </a:rPr>
@@ -6676,13 +6743,13 @@
                     <a:p>
                       <a:pPr algn="ctr" latinLnBrk="1"/>
                       <a:r>
-                        <a:rPr lang="en-US" altLang="ko-KR" dirty="0" smtClean="0">
+                        <a:rPr lang="en-US" altLang="ko-KR" dirty="0">
                           <a:latin typeface="Times New Roman" panose="02020603050405020304" pitchFamily="18" charset="0"/>
                           <a:cs typeface="Times New Roman" panose="02020603050405020304" pitchFamily="18" charset="0"/>
                         </a:rPr>
                         <a:t>0.88656</a:t>
                       </a:r>
-                      <a:endParaRPr lang="ko-KR" altLang="en-US" dirty="0" smtClean="0">
+                      <a:endParaRPr lang="ko-KR" altLang="en-US" dirty="0">
                         <a:latin typeface="Times New Roman" panose="02020603050405020304" pitchFamily="18" charset="0"/>
                         <a:cs typeface="Times New Roman" panose="02020603050405020304" pitchFamily="18" charset="0"/>
                       </a:endParaRPr>
@@ -6739,7 +6806,7 @@
                     <a:p>
                       <a:pPr algn="ctr" latinLnBrk="1"/>
                       <a:r>
-                        <a:rPr lang="en-US" altLang="ko-KR" dirty="0" smtClean="0">
+                        <a:rPr lang="en-US" altLang="ko-KR" dirty="0">
                           <a:latin typeface="Times New Roman" panose="02020603050405020304" pitchFamily="18" charset="0"/>
                           <a:cs typeface="Times New Roman" panose="02020603050405020304" pitchFamily="18" charset="0"/>
                         </a:rPr>
@@ -6760,14 +6827,14 @@
                     <a:p>
                       <a:pPr algn="ctr" latinLnBrk="1"/>
                       <a:r>
-                        <a:rPr lang="en-US" altLang="ko-KR" dirty="0" smtClean="0">
+                        <a:rPr lang="en-US" altLang="ko-KR" dirty="0">
                           <a:latin typeface="Times New Roman" panose="02020603050405020304" pitchFamily="18" charset="0"/>
                           <a:cs typeface="Times New Roman" panose="02020603050405020304" pitchFamily="18" charset="0"/>
                         </a:rPr>
                         <a:t>0.99866 / 0.9651</a:t>
                       </a:r>
                       <a:r>
-                        <a:rPr lang="en-US" altLang="ko-KR" baseline="0" dirty="0" smtClean="0">
+                        <a:rPr lang="en-US" altLang="ko-KR" baseline="0" dirty="0">
                           <a:latin typeface="Times New Roman" panose="02020603050405020304" pitchFamily="18" charset="0"/>
                           <a:cs typeface="Times New Roman" panose="02020603050405020304" pitchFamily="18" charset="0"/>
                         </a:rPr>
@@ -6788,7 +6855,7 @@
                     <a:p>
                       <a:pPr algn="ctr" latinLnBrk="1"/>
                       <a:r>
-                        <a:rPr lang="en-US" altLang="ko-KR" dirty="0" smtClean="0">
+                        <a:rPr lang="en-US" altLang="ko-KR" dirty="0">
                           <a:latin typeface="Times New Roman" panose="02020603050405020304" pitchFamily="18" charset="0"/>
                           <a:cs typeface="Times New Roman" panose="02020603050405020304" pitchFamily="18" charset="0"/>
                         </a:rPr>
@@ -6809,7 +6876,7 @@
                     <a:p>
                       <a:pPr algn="ctr" latinLnBrk="1"/>
                       <a:r>
-                        <a:rPr lang="en-US" altLang="ko-KR" dirty="0" smtClean="0">
+                        <a:rPr lang="en-US" altLang="ko-KR" dirty="0">
                           <a:latin typeface="Times New Roman" panose="02020603050405020304" pitchFamily="18" charset="0"/>
                           <a:cs typeface="Times New Roman" panose="02020603050405020304" pitchFamily="18" charset="0"/>
                         </a:rPr>
@@ -6830,14 +6897,14 @@
                     <a:p>
                       <a:pPr algn="ctr" latinLnBrk="1"/>
                       <a:r>
-                        <a:rPr lang="en-US" altLang="ko-KR" dirty="0" smtClean="0">
+                        <a:rPr lang="en-US" altLang="ko-KR" dirty="0">
                           <a:latin typeface="Times New Roman" panose="02020603050405020304" pitchFamily="18" charset="0"/>
                           <a:cs typeface="Times New Roman" panose="02020603050405020304" pitchFamily="18" charset="0"/>
                         </a:rPr>
                         <a:t>0.99875</a:t>
                       </a:r>
                       <a:r>
-                        <a:rPr lang="en-US" altLang="ko-KR" baseline="0" dirty="0" smtClean="0">
+                        <a:rPr lang="en-US" altLang="ko-KR" baseline="0" dirty="0">
                           <a:latin typeface="Times New Roman" panose="02020603050405020304" pitchFamily="18" charset="0"/>
                           <a:cs typeface="Times New Roman" panose="02020603050405020304" pitchFamily="18" charset="0"/>
                         </a:rPr>
@@ -6874,20 +6941,20 @@
                         <a:defRPr/>
                       </a:pPr>
                       <a:r>
-                        <a:rPr lang="en-US" altLang="ko-KR" dirty="0" smtClean="0">
+                        <a:rPr lang="en-US" altLang="ko-KR" dirty="0">
                           <a:latin typeface="Times New Roman" panose="02020603050405020304" pitchFamily="18" charset="0"/>
                           <a:cs typeface="Times New Roman" panose="02020603050405020304" pitchFamily="18" charset="0"/>
                         </a:rPr>
                         <a:t>0.99835 / 0.95732 </a:t>
                       </a:r>
                       <a:r>
-                        <a:rPr lang="en-US" altLang="ko-KR" smtClean="0">
+                        <a:rPr lang="en-US" altLang="ko-KR">
                           <a:latin typeface="Times New Roman" panose="02020603050405020304" pitchFamily="18" charset="0"/>
                           <a:cs typeface="Times New Roman" panose="02020603050405020304" pitchFamily="18" charset="0"/>
                         </a:rPr>
                         <a:t>/ 0.88483</a:t>
                       </a:r>
-                      <a:endParaRPr lang="ko-KR" altLang="en-US" smtClean="0">
+                      <a:endParaRPr lang="ko-KR" altLang="en-US">
                         <a:latin typeface="Times New Roman" panose="02020603050405020304" pitchFamily="18" charset="0"/>
                         <a:cs typeface="Times New Roman" panose="02020603050405020304" pitchFamily="18" charset="0"/>
                       </a:endParaRPr>
@@ -7626,14 +7693,14 @@
           <p:nvPr>
             <p:extLst>
               <p:ext uri="{D42A27DB-BD31-4B8C-83A1-F6EECF244321}">
-                <p14:modId xmlns:p14="http://schemas.microsoft.com/office/powerpoint/2010/main" val="2952972894"/>
+                <p14:modId xmlns:p14="http://schemas.microsoft.com/office/powerpoint/2010/main" val="3957783830"/>
               </p:ext>
             </p:extLst>
           </p:nvPr>
         </p:nvGraphicFramePr>
         <p:xfrm>
           <a:off x="1155756" y="1347648"/>
-          <a:ext cx="9338875" cy="3876040"/>
+          <a:ext cx="9338875" cy="4968240"/>
         </p:xfrm>
         <a:graphic>
           <a:graphicData uri="http://schemas.openxmlformats.org/drawingml/2006/table">
@@ -7872,109 +7939,233 @@
                           <a:latin typeface="Times New Roman" panose="02020603050405020304" pitchFamily="18" charset="0"/>
                           <a:cs typeface="Times New Roman" panose="02020603050405020304" pitchFamily="18" charset="0"/>
                         </a:rPr>
-                        <a:t>0. /</a:t>
-                      </a:r>
-                    </a:p>
-                    <a:p>
-                      <a:pPr algn="ctr" latinLnBrk="1"/>
-                      <a:r>
-                        <a:rPr lang="en-US" altLang="ko-KR" dirty="0">
-                          <a:latin typeface="Times New Roman" panose="02020603050405020304" pitchFamily="18" charset="0"/>
-                          <a:cs typeface="Times New Roman" panose="02020603050405020304" pitchFamily="18" charset="0"/>
-                        </a:rPr>
-                        <a:t>0.</a:t>
-                      </a:r>
-                      <a:endParaRPr lang="ko-KR" altLang="en-US" dirty="0">
-                        <a:latin typeface="Times New Roman" panose="02020603050405020304" pitchFamily="18" charset="0"/>
-                        <a:cs typeface="Times New Roman" panose="02020603050405020304" pitchFamily="18" charset="0"/>
-                      </a:endParaRPr>
-                    </a:p>
-                  </a:txBody>
-                  <a:tcPr/>
-                </a:tc>
-                <a:tc>
-                  <a:txBody>
-                    <a:bodyPr/>
-                    <a:lstStyle/>
-                    <a:p>
-                      <a:pPr algn="ctr" latinLnBrk="1"/>
-                      <a:r>
-                        <a:rPr lang="en-US" altLang="ko-KR" dirty="0">
-                          <a:latin typeface="Times New Roman" panose="02020603050405020304" pitchFamily="18" charset="0"/>
-                          <a:cs typeface="Times New Roman" panose="02020603050405020304" pitchFamily="18" charset="0"/>
-                        </a:rPr>
-                        <a:t>0. /</a:t>
-                      </a:r>
-                    </a:p>
-                    <a:p>
-                      <a:pPr algn="ctr" latinLnBrk="1"/>
-                      <a:r>
-                        <a:rPr lang="en-US" altLang="ko-KR" dirty="0">
-                          <a:latin typeface="Times New Roman" panose="02020603050405020304" pitchFamily="18" charset="0"/>
-                          <a:cs typeface="Times New Roman" panose="02020603050405020304" pitchFamily="18" charset="0"/>
-                        </a:rPr>
-                        <a:t>0.</a:t>
-                      </a:r>
-                      <a:endParaRPr lang="ko-KR" altLang="en-US" dirty="0">
-                        <a:latin typeface="Times New Roman" panose="02020603050405020304" pitchFamily="18" charset="0"/>
-                        <a:cs typeface="Times New Roman" panose="02020603050405020304" pitchFamily="18" charset="0"/>
-                      </a:endParaRPr>
-                    </a:p>
-                  </a:txBody>
-                  <a:tcPr/>
-                </a:tc>
-                <a:tc>
-                  <a:txBody>
-                    <a:bodyPr/>
-                    <a:lstStyle/>
-                    <a:p>
-                      <a:pPr algn="ctr" latinLnBrk="1"/>
-                      <a:endParaRPr lang="ko-KR" altLang="en-US" dirty="0">
-                        <a:latin typeface="Times New Roman" panose="02020603050405020304" pitchFamily="18" charset="0"/>
-                        <a:cs typeface="Times New Roman" panose="02020603050405020304" pitchFamily="18" charset="0"/>
-                      </a:endParaRPr>
-                    </a:p>
-                  </a:txBody>
-                  <a:tcPr/>
-                </a:tc>
-                <a:tc>
-                  <a:txBody>
-                    <a:bodyPr/>
-                    <a:lstStyle/>
-                    <a:p>
-                      <a:pPr algn="ctr" latinLnBrk="1"/>
-                      <a:endParaRPr lang="ko-KR" altLang="en-US" dirty="0">
-                        <a:latin typeface="Times New Roman" panose="02020603050405020304" pitchFamily="18" charset="0"/>
-                        <a:cs typeface="Times New Roman" panose="02020603050405020304" pitchFamily="18" charset="0"/>
-                      </a:endParaRPr>
-                    </a:p>
-                  </a:txBody>
-                  <a:tcPr/>
-                </a:tc>
-                <a:tc>
-                  <a:txBody>
-                    <a:bodyPr/>
-                    <a:lstStyle/>
-                    <a:p>
-                      <a:pPr algn="ctr" latinLnBrk="1"/>
-                      <a:endParaRPr lang="ko-KR" altLang="en-US" dirty="0">
-                        <a:latin typeface="Times New Roman" panose="02020603050405020304" pitchFamily="18" charset="0"/>
-                        <a:cs typeface="Times New Roman" panose="02020603050405020304" pitchFamily="18" charset="0"/>
-                      </a:endParaRPr>
-                    </a:p>
-                  </a:txBody>
-                  <a:tcPr/>
-                </a:tc>
-                <a:tc>
-                  <a:txBody>
-                    <a:bodyPr/>
-                    <a:lstStyle/>
-                    <a:p>
-                      <a:pPr algn="ctr" latinLnBrk="1"/>
-                      <a:endParaRPr lang="ko-KR" altLang="en-US" dirty="0">
-                        <a:latin typeface="Times New Roman" panose="02020603050405020304" pitchFamily="18" charset="0"/>
-                        <a:cs typeface="Times New Roman" panose="02020603050405020304" pitchFamily="18" charset="0"/>
-                      </a:endParaRPr>
+                        <a:t>0.99579/</a:t>
+                      </a:r>
+                    </a:p>
+                    <a:p>
+                      <a:pPr algn="ctr" latinLnBrk="1"/>
+                      <a:r>
+                        <a:rPr lang="en-US" altLang="ko-KR" dirty="0">
+                          <a:latin typeface="Times New Roman" panose="02020603050405020304" pitchFamily="18" charset="0"/>
+                          <a:cs typeface="Times New Roman" panose="02020603050405020304" pitchFamily="18" charset="0"/>
+                        </a:rPr>
+                        <a:t>0.86766/</a:t>
+                      </a:r>
+                    </a:p>
+                    <a:p>
+                      <a:pPr algn="ctr" latinLnBrk="1"/>
+                      <a:r>
+                        <a:rPr lang="en-US" altLang="ko-KR" dirty="0">
+                          <a:latin typeface="Times New Roman" panose="02020603050405020304" pitchFamily="18" charset="0"/>
+                          <a:cs typeface="Times New Roman" panose="02020603050405020304" pitchFamily="18" charset="0"/>
+                        </a:rPr>
+                        <a:t>0.58407</a:t>
+                      </a:r>
+                      <a:endParaRPr lang="ko-KR" altLang="en-US" dirty="0">
+                        <a:latin typeface="Times New Roman" panose="02020603050405020304" pitchFamily="18" charset="0"/>
+                        <a:cs typeface="Times New Roman" panose="02020603050405020304" pitchFamily="18" charset="0"/>
+                      </a:endParaRPr>
+                    </a:p>
+                  </a:txBody>
+                  <a:tcPr/>
+                </a:tc>
+                <a:tc>
+                  <a:txBody>
+                    <a:bodyPr/>
+                    <a:lstStyle/>
+                    <a:p>
+                      <a:pPr algn="ctr" latinLnBrk="1"/>
+                      <a:r>
+                        <a:rPr lang="en-US" altLang="ko-KR" dirty="0">
+                          <a:latin typeface="Times New Roman" panose="02020603050405020304" pitchFamily="18" charset="0"/>
+                          <a:cs typeface="Times New Roman" panose="02020603050405020304" pitchFamily="18" charset="0"/>
+                        </a:rPr>
+                        <a:t>0.99553/</a:t>
+                      </a:r>
+                    </a:p>
+                    <a:p>
+                      <a:pPr algn="ctr" latinLnBrk="1"/>
+                      <a:r>
+                        <a:rPr lang="en-US" altLang="ko-KR" dirty="0">
+                          <a:latin typeface="Times New Roman" panose="02020603050405020304" pitchFamily="18" charset="0"/>
+                          <a:cs typeface="Times New Roman" panose="02020603050405020304" pitchFamily="18" charset="0"/>
+                        </a:rPr>
+                        <a:t>0.85683/</a:t>
+                      </a:r>
+                    </a:p>
+                    <a:p>
+                      <a:pPr algn="ctr" latinLnBrk="1"/>
+                      <a:r>
+                        <a:rPr lang="en-US" altLang="ko-KR" dirty="0">
+                          <a:latin typeface="Times New Roman" panose="02020603050405020304" pitchFamily="18" charset="0"/>
+                          <a:cs typeface="Times New Roman" panose="02020603050405020304" pitchFamily="18" charset="0"/>
+                        </a:rPr>
+                        <a:t>0.55752</a:t>
+                      </a:r>
+                      <a:endParaRPr lang="ko-KR" altLang="en-US" dirty="0">
+                        <a:latin typeface="Times New Roman" panose="02020603050405020304" pitchFamily="18" charset="0"/>
+                        <a:cs typeface="Times New Roman" panose="02020603050405020304" pitchFamily="18" charset="0"/>
+                      </a:endParaRPr>
+                    </a:p>
+                  </a:txBody>
+                  <a:tcPr/>
+                </a:tc>
+                <a:tc>
+                  <a:txBody>
+                    <a:bodyPr/>
+                    <a:lstStyle/>
+                    <a:p>
+                      <a:pPr algn="ctr" latinLnBrk="1"/>
+                      <a:r>
+                        <a:rPr lang="en-US" altLang="ko-KR" dirty="0">
+                          <a:latin typeface="Times New Roman" panose="02020603050405020304" pitchFamily="18" charset="0"/>
+                          <a:cs typeface="Times New Roman" panose="02020603050405020304" pitchFamily="18" charset="0"/>
+                        </a:rPr>
+                        <a:t>0.9957/</a:t>
+                      </a:r>
+                    </a:p>
+                    <a:p>
+                      <a:pPr algn="ctr" latinLnBrk="1"/>
+                      <a:r>
+                        <a:rPr lang="en-US" altLang="ko-KR" dirty="0">
+                          <a:latin typeface="Times New Roman" panose="02020603050405020304" pitchFamily="18" charset="0"/>
+                          <a:cs typeface="Times New Roman" panose="02020603050405020304" pitchFamily="18" charset="0"/>
+                        </a:rPr>
+                        <a:t>0.86409/</a:t>
+                      </a:r>
+                    </a:p>
+                    <a:p>
+                      <a:pPr algn="ctr" latinLnBrk="1"/>
+                      <a:r>
+                        <a:rPr lang="en-US" altLang="ko-KR" dirty="0">
+                          <a:latin typeface="Times New Roman" panose="02020603050405020304" pitchFamily="18" charset="0"/>
+                          <a:cs typeface="Times New Roman" panose="02020603050405020304" pitchFamily="18" charset="0"/>
+                        </a:rPr>
+                        <a:t>0.57522</a:t>
+                      </a:r>
+                      <a:endParaRPr lang="ko-KR" altLang="en-US" dirty="0">
+                        <a:latin typeface="Times New Roman" panose="02020603050405020304" pitchFamily="18" charset="0"/>
+                        <a:cs typeface="Times New Roman" panose="02020603050405020304" pitchFamily="18" charset="0"/>
+                      </a:endParaRPr>
+                    </a:p>
+                  </a:txBody>
+                  <a:tcPr/>
+                </a:tc>
+                <a:tc>
+                  <a:txBody>
+                    <a:bodyPr/>
+                    <a:lstStyle/>
+                    <a:p>
+                      <a:pPr algn="ctr" latinLnBrk="1"/>
+                      <a:r>
+                        <a:rPr lang="en-US" altLang="ko-KR" dirty="0">
+                          <a:latin typeface="Times New Roman" panose="02020603050405020304" pitchFamily="18" charset="0"/>
+                          <a:cs typeface="Times New Roman" panose="02020603050405020304" pitchFamily="18" charset="0"/>
+                        </a:rPr>
+                        <a:t>0.99472/</a:t>
+                      </a:r>
+                    </a:p>
+                    <a:p>
+                      <a:pPr algn="ctr" latinLnBrk="1"/>
+                      <a:r>
+                        <a:rPr lang="en-US" altLang="ko-KR" dirty="0">
+                          <a:latin typeface="Times New Roman" panose="02020603050405020304" pitchFamily="18" charset="0"/>
+                          <a:cs typeface="Times New Roman" panose="02020603050405020304" pitchFamily="18" charset="0"/>
+                        </a:rPr>
+                        <a:t>0.82202/</a:t>
+                      </a:r>
+                    </a:p>
+                    <a:p>
+                      <a:pPr algn="ctr" latinLnBrk="1"/>
+                      <a:r>
+                        <a:rPr lang="en-US" altLang="ko-KR" dirty="0">
+                          <a:latin typeface="Times New Roman" panose="02020603050405020304" pitchFamily="18" charset="0"/>
+                          <a:cs typeface="Times New Roman" panose="02020603050405020304" pitchFamily="18" charset="0"/>
+                        </a:rPr>
+                        <a:t>0.47788</a:t>
+                      </a:r>
+                      <a:endParaRPr lang="ko-KR" altLang="en-US" dirty="0">
+                        <a:latin typeface="Times New Roman" panose="02020603050405020304" pitchFamily="18" charset="0"/>
+                        <a:cs typeface="Times New Roman" panose="02020603050405020304" pitchFamily="18" charset="0"/>
+                      </a:endParaRPr>
+                    </a:p>
+                  </a:txBody>
+                  <a:tcPr/>
+                </a:tc>
+                <a:tc>
+                  <a:txBody>
+                    <a:bodyPr/>
+                    <a:lstStyle/>
+                    <a:p>
+                      <a:pPr algn="ctr" latinLnBrk="1"/>
+                      <a:r>
+                        <a:rPr lang="en-US" altLang="ko-KR" dirty="0">
+                          <a:latin typeface="Times New Roman" panose="02020603050405020304" pitchFamily="18" charset="0"/>
+                          <a:cs typeface="Times New Roman" panose="02020603050405020304" pitchFamily="18" charset="0"/>
+                        </a:rPr>
+                        <a:t>0.99678/</a:t>
+                      </a:r>
+                    </a:p>
+                    <a:p>
+                      <a:pPr algn="ctr" latinLnBrk="1"/>
+                      <a:r>
+                        <a:rPr lang="en-US" altLang="ko-KR" dirty="0">
+                          <a:latin typeface="Times New Roman" panose="02020603050405020304" pitchFamily="18" charset="0"/>
+                          <a:cs typeface="Times New Roman" panose="02020603050405020304" pitchFamily="18" charset="0"/>
+                        </a:rPr>
+                        <a:t>0.90344/</a:t>
+                      </a:r>
+                    </a:p>
+                    <a:p>
+                      <a:pPr algn="ctr" latinLnBrk="1"/>
+                      <a:r>
+                        <a:rPr lang="en-US" altLang="ko-KR" dirty="0">
+                          <a:latin typeface="Times New Roman" panose="02020603050405020304" pitchFamily="18" charset="0"/>
+                          <a:cs typeface="Times New Roman" panose="02020603050405020304" pitchFamily="18" charset="0"/>
+                        </a:rPr>
+                        <a:t>0.67857</a:t>
+                      </a:r>
+                      <a:endParaRPr lang="ko-KR" altLang="en-US" dirty="0">
+                        <a:latin typeface="Times New Roman" panose="02020603050405020304" pitchFamily="18" charset="0"/>
+                        <a:cs typeface="Times New Roman" panose="02020603050405020304" pitchFamily="18" charset="0"/>
+                      </a:endParaRPr>
+                    </a:p>
+                  </a:txBody>
+                  <a:tcPr/>
+                </a:tc>
+                <a:tc>
+                  <a:txBody>
+                    <a:bodyPr/>
+                    <a:lstStyle/>
+                    <a:p>
+                      <a:pPr algn="ctr" latinLnBrk="1"/>
+                      <a:r>
+                        <a:rPr lang="en-US" altLang="ko-KR" dirty="0">
+                          <a:latin typeface="Times New Roman" panose="02020603050405020304" pitchFamily="18" charset="0"/>
+                          <a:cs typeface="Times New Roman" panose="02020603050405020304" pitchFamily="18" charset="0"/>
+                        </a:rPr>
+                        <a:t>0.9957/</a:t>
+                      </a:r>
+                    </a:p>
+                    <a:p>
+                      <a:pPr algn="ctr" latinLnBrk="1"/>
+                      <a:r>
+                        <a:rPr lang="en-US" altLang="ko-KR" dirty="0">
+                          <a:latin typeface="Times New Roman" panose="02020603050405020304" pitchFamily="18" charset="0"/>
+                          <a:cs typeface="Times New Roman" panose="02020603050405020304" pitchFamily="18" charset="0"/>
+                        </a:rPr>
+                        <a:t>0.86281/</a:t>
+                      </a:r>
+                    </a:p>
+                    <a:p>
+                      <a:pPr algn="ctr" latinLnBrk="1"/>
+                      <a:r>
+                        <a:rPr lang="en-US" altLang="ko-KR" dirty="0">
+                          <a:latin typeface="Times New Roman" panose="02020603050405020304" pitchFamily="18" charset="0"/>
+                          <a:cs typeface="Times New Roman" panose="02020603050405020304" pitchFamily="18" charset="0"/>
+                        </a:rPr>
+                        <a:t>0.57465</a:t>
+                      </a:r>
                     </a:p>
                   </a:txBody>
                   <a:tcPr/>
@@ -8026,143 +8217,239 @@
                     <a:bodyPr/>
                     <a:lstStyle/>
                     <a:p>
-                      <a:pPr marL="0" marR="0" lvl="0" indent="0" algn="ctr" defTabSz="914400" rtl="0" eaLnBrk="1" fontAlgn="auto" latinLnBrk="1" hangingPunct="1">
-                        <a:lnSpc>
-                          <a:spcPct val="100000"/>
-                        </a:lnSpc>
-                        <a:spcBef>
-                          <a:spcPts val="0"/>
-                        </a:spcBef>
-                        <a:spcAft>
-                          <a:spcPts val="0"/>
-                        </a:spcAft>
-                        <a:buClrTx/>
-                        <a:buSzTx/>
-                        <a:buFontTx/>
-                        <a:buNone/>
-                        <a:tabLst/>
-                        <a:defRPr/>
-                      </a:pPr>
-                      <a:r>
-                        <a:rPr lang="en-US" altLang="ko-KR" dirty="0">
-                          <a:latin typeface="Times New Roman" panose="02020603050405020304" pitchFamily="18" charset="0"/>
-                          <a:cs typeface="Times New Roman" panose="02020603050405020304" pitchFamily="18" charset="0"/>
-                        </a:rPr>
-                        <a:t>0. /</a:t>
-                      </a:r>
-                    </a:p>
-                    <a:p>
-                      <a:pPr marL="0" marR="0" lvl="0" indent="0" algn="ctr" defTabSz="914400" rtl="0" eaLnBrk="1" fontAlgn="auto" latinLnBrk="1" hangingPunct="1">
-                        <a:lnSpc>
-                          <a:spcPct val="100000"/>
-                        </a:lnSpc>
-                        <a:spcBef>
-                          <a:spcPts val="0"/>
-                        </a:spcBef>
-                        <a:spcAft>
-                          <a:spcPts val="0"/>
-                        </a:spcAft>
-                        <a:buClrTx/>
-                        <a:buSzTx/>
-                        <a:buFontTx/>
-                        <a:buNone/>
-                        <a:tabLst/>
-                        <a:defRPr/>
-                      </a:pPr>
-                      <a:r>
-                        <a:rPr lang="en-US" altLang="ko-KR" dirty="0">
-                          <a:latin typeface="Times New Roman" panose="02020603050405020304" pitchFamily="18" charset="0"/>
-                          <a:cs typeface="Times New Roman" panose="02020603050405020304" pitchFamily="18" charset="0"/>
-                        </a:rPr>
-                        <a:t>0.</a:t>
-                      </a:r>
-                      <a:endParaRPr lang="ko-KR" altLang="en-US" dirty="0">
-                        <a:latin typeface="Times New Roman" panose="02020603050405020304" pitchFamily="18" charset="0"/>
-                        <a:cs typeface="Times New Roman" panose="02020603050405020304" pitchFamily="18" charset="0"/>
-                      </a:endParaRPr>
-                    </a:p>
-                  </a:txBody>
-                  <a:tcPr/>
-                </a:tc>
-                <a:tc>
-                  <a:txBody>
-                    <a:bodyPr/>
-                    <a:lstStyle/>
-                    <a:p>
-                      <a:pPr algn="ctr" latinLnBrk="1"/>
-                      <a:r>
-                        <a:rPr lang="en-US" altLang="ko-KR" dirty="0">
-                          <a:latin typeface="Times New Roman" panose="02020603050405020304" pitchFamily="18" charset="0"/>
-                          <a:cs typeface="Times New Roman" panose="02020603050405020304" pitchFamily="18" charset="0"/>
-                        </a:rPr>
-                        <a:t>0. /</a:t>
-                      </a:r>
-                    </a:p>
-                    <a:p>
-                      <a:pPr algn="ctr" latinLnBrk="1"/>
-                      <a:r>
-                        <a:rPr lang="en-US" altLang="ko-KR" dirty="0">
-                          <a:latin typeface="Times New Roman" panose="02020603050405020304" pitchFamily="18" charset="0"/>
-                          <a:cs typeface="Times New Roman" panose="02020603050405020304" pitchFamily="18" charset="0"/>
-                        </a:rPr>
-                        <a:t>0.</a:t>
-                      </a:r>
-                      <a:endParaRPr lang="ko-KR" altLang="en-US" dirty="0">
-                        <a:latin typeface="Times New Roman" panose="02020603050405020304" pitchFamily="18" charset="0"/>
-                        <a:cs typeface="Times New Roman" panose="02020603050405020304" pitchFamily="18" charset="0"/>
-                      </a:endParaRPr>
-                    </a:p>
-                  </a:txBody>
-                  <a:tcPr/>
-                </a:tc>
-                <a:tc>
-                  <a:txBody>
-                    <a:bodyPr/>
-                    <a:lstStyle/>
-                    <a:p>
-                      <a:pPr algn="ctr" latinLnBrk="1"/>
-                      <a:endParaRPr lang="ko-KR" altLang="en-US" dirty="0">
-                        <a:latin typeface="Times New Roman" panose="02020603050405020304" pitchFamily="18" charset="0"/>
-                        <a:cs typeface="Times New Roman" panose="02020603050405020304" pitchFamily="18" charset="0"/>
-                      </a:endParaRPr>
-                    </a:p>
-                  </a:txBody>
-                  <a:tcPr/>
-                </a:tc>
-                <a:tc>
-                  <a:txBody>
-                    <a:bodyPr/>
-                    <a:lstStyle/>
-                    <a:p>
-                      <a:pPr algn="ctr" latinLnBrk="1"/>
-                      <a:endParaRPr lang="ko-KR" altLang="en-US" dirty="0">
-                        <a:latin typeface="Times New Roman" panose="02020603050405020304" pitchFamily="18" charset="0"/>
-                        <a:cs typeface="Times New Roman" panose="02020603050405020304" pitchFamily="18" charset="0"/>
-                      </a:endParaRPr>
-                    </a:p>
-                  </a:txBody>
-                  <a:tcPr/>
-                </a:tc>
-                <a:tc>
-                  <a:txBody>
-                    <a:bodyPr/>
-                    <a:lstStyle/>
-                    <a:p>
-                      <a:pPr algn="ctr" latinLnBrk="1"/>
-                      <a:endParaRPr lang="ko-KR" altLang="en-US" dirty="0">
-                        <a:latin typeface="Times New Roman" panose="02020603050405020304" pitchFamily="18" charset="0"/>
-                        <a:cs typeface="Times New Roman" panose="02020603050405020304" pitchFamily="18" charset="0"/>
-                      </a:endParaRPr>
-                    </a:p>
-                  </a:txBody>
-                  <a:tcPr/>
-                </a:tc>
-                <a:tc>
-                  <a:txBody>
-                    <a:bodyPr/>
-                    <a:lstStyle/>
-                    <a:p>
-                      <a:pPr algn="ctr" latinLnBrk="1"/>
+                      <a:pPr algn="ctr" latinLnBrk="1"/>
+                      <a:r>
+                        <a:rPr lang="en-US" altLang="ko-KR" dirty="0">
+                          <a:latin typeface="Times New Roman" panose="02020603050405020304" pitchFamily="18" charset="0"/>
+                          <a:cs typeface="Times New Roman" panose="02020603050405020304" pitchFamily="18" charset="0"/>
+                        </a:rPr>
+                        <a:t>0.9957/</a:t>
+                      </a:r>
+                    </a:p>
+                    <a:p>
+                      <a:pPr algn="ctr" latinLnBrk="1"/>
+                      <a:r>
+                        <a:rPr lang="en-US" altLang="ko-KR" dirty="0">
+                          <a:latin typeface="Times New Roman" panose="02020603050405020304" pitchFamily="18" charset="0"/>
+                          <a:cs typeface="Times New Roman" panose="02020603050405020304" pitchFamily="18" charset="0"/>
+                        </a:rPr>
+                        <a:t>0.87521/</a:t>
+                      </a:r>
+                    </a:p>
+                    <a:p>
+                      <a:pPr algn="ctr" latinLnBrk="1"/>
+                      <a:r>
+                        <a:rPr lang="en-US" altLang="ko-KR" dirty="0">
+                          <a:latin typeface="Times New Roman" panose="02020603050405020304" pitchFamily="18" charset="0"/>
+                          <a:cs typeface="Times New Roman" panose="02020603050405020304" pitchFamily="18" charset="0"/>
+                        </a:rPr>
+                        <a:t>0.64602</a:t>
+                      </a:r>
+                      <a:endParaRPr lang="ko-KR" altLang="en-US" dirty="0">
+                        <a:latin typeface="Times New Roman" panose="02020603050405020304" pitchFamily="18" charset="0"/>
+                        <a:cs typeface="Times New Roman" panose="02020603050405020304" pitchFamily="18" charset="0"/>
+                      </a:endParaRPr>
+                    </a:p>
+                  </a:txBody>
+                  <a:tcPr/>
+                </a:tc>
+                <a:tc>
+                  <a:txBody>
+                    <a:bodyPr/>
+                    <a:lstStyle/>
+                    <a:p>
+                      <a:pPr algn="ctr" latinLnBrk="1"/>
+                      <a:r>
+                        <a:rPr lang="en-US" altLang="ko-KR" dirty="0">
+                          <a:latin typeface="Times New Roman" panose="02020603050405020304" pitchFamily="18" charset="0"/>
+                          <a:cs typeface="Times New Roman" panose="02020603050405020304" pitchFamily="18" charset="0"/>
+                        </a:rPr>
+                        <a:t>0.99533/</a:t>
+                      </a:r>
+                    </a:p>
+                    <a:p>
+                      <a:pPr algn="ctr" latinLnBrk="1"/>
+                      <a:r>
+                        <a:rPr lang="en-US" altLang="ko-KR" dirty="0">
+                          <a:latin typeface="Times New Roman" panose="02020603050405020304" pitchFamily="18" charset="0"/>
+                          <a:cs typeface="Times New Roman" panose="02020603050405020304" pitchFamily="18" charset="0"/>
+                        </a:rPr>
+                        <a:t>0.86151/</a:t>
+                      </a:r>
+                    </a:p>
+                    <a:p>
+                      <a:pPr algn="ctr" latinLnBrk="1"/>
+                      <a:r>
+                        <a:rPr lang="en-US" altLang="ko-KR" dirty="0">
+                          <a:latin typeface="Times New Roman" panose="02020603050405020304" pitchFamily="18" charset="0"/>
+                          <a:cs typeface="Times New Roman" panose="02020603050405020304" pitchFamily="18" charset="0"/>
+                        </a:rPr>
+                        <a:t>0.58407</a:t>
+                      </a:r>
+                      <a:endParaRPr lang="ko-KR" altLang="en-US" dirty="0">
+                        <a:latin typeface="Times New Roman" panose="02020603050405020304" pitchFamily="18" charset="0"/>
+                        <a:cs typeface="Times New Roman" panose="02020603050405020304" pitchFamily="18" charset="0"/>
+                      </a:endParaRPr>
+                    </a:p>
+                  </a:txBody>
+                  <a:tcPr/>
+                </a:tc>
+                <a:tc>
+                  <a:txBody>
+                    <a:bodyPr/>
+                    <a:lstStyle/>
+                    <a:p>
+                      <a:pPr algn="ctr" latinLnBrk="1"/>
+                      <a:r>
+                        <a:rPr lang="en-US" altLang="ko-KR" dirty="0">
+                          <a:latin typeface="Times New Roman" panose="02020603050405020304" pitchFamily="18" charset="0"/>
+                          <a:cs typeface="Times New Roman" panose="02020603050405020304" pitchFamily="18" charset="0"/>
+                        </a:rPr>
+                        <a:t>0.99606/</a:t>
+                      </a:r>
+                    </a:p>
+                    <a:p>
+                      <a:pPr algn="ctr" latinLnBrk="1"/>
+                      <a:r>
+                        <a:rPr lang="en-US" altLang="ko-KR" dirty="0">
+                          <a:latin typeface="Times New Roman" panose="02020603050405020304" pitchFamily="18" charset="0"/>
+                          <a:cs typeface="Times New Roman" panose="02020603050405020304" pitchFamily="18" charset="0"/>
+                        </a:rPr>
+                        <a:t>0.88199/</a:t>
+                      </a:r>
+                    </a:p>
+                    <a:p>
+                      <a:pPr algn="ctr" latinLnBrk="1"/>
+                      <a:r>
+                        <a:rPr lang="en-US" altLang="ko-KR" dirty="0">
+                          <a:latin typeface="Times New Roman" panose="02020603050405020304" pitchFamily="18" charset="0"/>
+                          <a:cs typeface="Times New Roman" panose="02020603050405020304" pitchFamily="18" charset="0"/>
+                        </a:rPr>
+                        <a:t>0.63717</a:t>
+                      </a:r>
+                      <a:endParaRPr lang="ko-KR" altLang="en-US" dirty="0">
+                        <a:latin typeface="Times New Roman" panose="02020603050405020304" pitchFamily="18" charset="0"/>
+                        <a:cs typeface="Times New Roman" panose="02020603050405020304" pitchFamily="18" charset="0"/>
+                      </a:endParaRPr>
+                    </a:p>
+                  </a:txBody>
+                  <a:tcPr/>
+                </a:tc>
+                <a:tc>
+                  <a:txBody>
+                    <a:bodyPr/>
+                    <a:lstStyle/>
+                    <a:p>
+                      <a:pPr algn="ctr" latinLnBrk="1"/>
+                      <a:r>
+                        <a:rPr lang="en-US" altLang="ko-KR" dirty="0">
+                          <a:latin typeface="Times New Roman" panose="02020603050405020304" pitchFamily="18" charset="0"/>
+                          <a:cs typeface="Times New Roman" panose="02020603050405020304" pitchFamily="18" charset="0"/>
+                        </a:rPr>
+                        <a:t>0.99508/</a:t>
+                      </a:r>
+                    </a:p>
+                    <a:p>
+                      <a:pPr algn="ctr" latinLnBrk="1"/>
+                      <a:r>
+                        <a:rPr lang="en-US" altLang="ko-KR" dirty="0">
+                          <a:latin typeface="Times New Roman" panose="02020603050405020304" pitchFamily="18" charset="0"/>
+                          <a:cs typeface="Times New Roman" panose="02020603050405020304" pitchFamily="18" charset="0"/>
+                        </a:rPr>
+                        <a:t>0.84162/</a:t>
+                      </a:r>
+                    </a:p>
+                    <a:p>
+                      <a:pPr algn="ctr" latinLnBrk="1"/>
+                      <a:r>
+                        <a:rPr lang="en-US" altLang="ko-KR" dirty="0">
+                          <a:latin typeface="Times New Roman" panose="02020603050405020304" pitchFamily="18" charset="0"/>
+                          <a:cs typeface="Times New Roman" panose="02020603050405020304" pitchFamily="18" charset="0"/>
+                        </a:rPr>
+                        <a:t>0.53097</a:t>
+                      </a:r>
+                      <a:endParaRPr lang="ko-KR" altLang="en-US" dirty="0">
+                        <a:latin typeface="Times New Roman" panose="02020603050405020304" pitchFamily="18" charset="0"/>
+                        <a:cs typeface="Times New Roman" panose="02020603050405020304" pitchFamily="18" charset="0"/>
+                      </a:endParaRPr>
+                    </a:p>
+                  </a:txBody>
+                  <a:tcPr/>
+                </a:tc>
+                <a:tc>
+                  <a:txBody>
+                    <a:bodyPr/>
+                    <a:lstStyle/>
+                    <a:p>
+                      <a:pPr algn="ctr" latinLnBrk="1"/>
+                      <a:r>
+                        <a:rPr lang="en-US" altLang="ko-KR" dirty="0">
+                          <a:latin typeface="Times New Roman" panose="02020603050405020304" pitchFamily="18" charset="0"/>
+                          <a:cs typeface="Times New Roman" panose="02020603050405020304" pitchFamily="18" charset="0"/>
+                        </a:rPr>
+                        <a:t>0.99696/</a:t>
+                      </a:r>
+                    </a:p>
+                    <a:p>
+                      <a:pPr algn="ctr" latinLnBrk="1"/>
+                      <a:r>
+                        <a:rPr lang="en-US" altLang="ko-KR" dirty="0">
+                          <a:latin typeface="Times New Roman" panose="02020603050405020304" pitchFamily="18" charset="0"/>
+                          <a:cs typeface="Times New Roman" panose="02020603050405020304" pitchFamily="18" charset="0"/>
+                        </a:rPr>
+                        <a:t>0.91069/</a:t>
+                      </a:r>
+                    </a:p>
+                    <a:p>
+                      <a:pPr algn="ctr" latinLnBrk="1"/>
+                      <a:r>
+                        <a:rPr lang="en-US" altLang="ko-KR" dirty="0">
+                          <a:latin typeface="Times New Roman" panose="02020603050405020304" pitchFamily="18" charset="0"/>
+                          <a:cs typeface="Times New Roman" panose="02020603050405020304" pitchFamily="18" charset="0"/>
+                        </a:rPr>
+                        <a:t>0.70536</a:t>
+                      </a:r>
+                      <a:endParaRPr lang="ko-KR" altLang="en-US" dirty="0">
+                        <a:latin typeface="Times New Roman" panose="02020603050405020304" pitchFamily="18" charset="0"/>
+                        <a:cs typeface="Times New Roman" panose="02020603050405020304" pitchFamily="18" charset="0"/>
+                      </a:endParaRPr>
+                    </a:p>
+                  </a:txBody>
+                  <a:tcPr/>
+                </a:tc>
+                <a:tc>
+                  <a:txBody>
+                    <a:bodyPr/>
+                    <a:lstStyle/>
+                    <a:p>
+                      <a:pPr algn="ctr" latinLnBrk="1"/>
+                      <a:r>
+                        <a:rPr lang="en-US" altLang="ko-KR" dirty="0">
+                          <a:latin typeface="Times New Roman" panose="02020603050405020304" pitchFamily="18" charset="0"/>
+                          <a:cs typeface="Times New Roman" panose="02020603050405020304" pitchFamily="18" charset="0"/>
+                        </a:rPr>
+                        <a:t>0.99587/</a:t>
+                      </a:r>
+                    </a:p>
+                    <a:p>
+                      <a:pPr algn="ctr" latinLnBrk="1"/>
+                      <a:r>
+                        <a:rPr lang="en-US" altLang="ko-KR" dirty="0">
+                          <a:latin typeface="Times New Roman" panose="02020603050405020304" pitchFamily="18" charset="0"/>
+                          <a:cs typeface="Times New Roman" panose="02020603050405020304" pitchFamily="18" charset="0"/>
+                        </a:rPr>
+                        <a:t>0.8742/</a:t>
+                      </a:r>
+                    </a:p>
+                    <a:p>
+                      <a:pPr algn="ctr" latinLnBrk="1"/>
+                      <a:r>
+                        <a:rPr lang="en-US" altLang="ko-KR" dirty="0">
+                          <a:latin typeface="Times New Roman" panose="02020603050405020304" pitchFamily="18" charset="0"/>
+                          <a:cs typeface="Times New Roman" panose="02020603050405020304" pitchFamily="18" charset="0"/>
+                        </a:rPr>
+                        <a:t>0.562072</a:t>
+                      </a:r>
                       <a:endParaRPr lang="ko-KR" altLang="en-US" dirty="0">
                         <a:latin typeface="Times New Roman" panose="02020603050405020304" pitchFamily="18" charset="0"/>
                         <a:cs typeface="Times New Roman" panose="02020603050405020304" pitchFamily="18" charset="0"/>
@@ -8219,77 +8506,532 @@
                     <a:lstStyle/>
                     <a:p>
                       <a:pPr algn="ctr" latinLnBrk="1"/>
-                      <a:endParaRPr lang="ko-KR" altLang="en-US" dirty="0">
-                        <a:latin typeface="Times New Roman" panose="02020603050405020304" pitchFamily="18" charset="0"/>
-                        <a:cs typeface="Times New Roman" panose="02020603050405020304" pitchFamily="18" charset="0"/>
-                      </a:endParaRPr>
-                    </a:p>
-                  </a:txBody>
-                  <a:tcPr/>
-                </a:tc>
-                <a:tc>
-                  <a:txBody>
-                    <a:bodyPr/>
-                    <a:lstStyle/>
-                    <a:p>
-                      <a:pPr algn="ctr" latinLnBrk="1"/>
-                      <a:endParaRPr lang="ko-KR" altLang="en-US" dirty="0">
-                        <a:latin typeface="Times New Roman" panose="02020603050405020304" pitchFamily="18" charset="0"/>
-                        <a:cs typeface="Times New Roman" panose="02020603050405020304" pitchFamily="18" charset="0"/>
-                      </a:endParaRPr>
-                    </a:p>
-                  </a:txBody>
-                  <a:tcPr/>
-                </a:tc>
-                <a:tc>
-                  <a:txBody>
-                    <a:bodyPr/>
-                    <a:lstStyle/>
-                    <a:p>
-                      <a:pPr algn="ctr" latinLnBrk="1"/>
-                      <a:endParaRPr lang="ko-KR" altLang="en-US" dirty="0">
-                        <a:latin typeface="Times New Roman" panose="02020603050405020304" pitchFamily="18" charset="0"/>
-                        <a:cs typeface="Times New Roman" panose="02020603050405020304" pitchFamily="18" charset="0"/>
-                      </a:endParaRPr>
-                    </a:p>
-                  </a:txBody>
-                  <a:tcPr/>
-                </a:tc>
-                <a:tc>
-                  <a:txBody>
-                    <a:bodyPr/>
-                    <a:lstStyle/>
-                    <a:p>
-                      <a:pPr algn="ctr" latinLnBrk="1"/>
-                      <a:endParaRPr lang="ko-KR" altLang="en-US">
-                        <a:latin typeface="Times New Roman" panose="02020603050405020304" pitchFamily="18" charset="0"/>
-                        <a:cs typeface="Times New Roman" panose="02020603050405020304" pitchFamily="18" charset="0"/>
-                      </a:endParaRPr>
-                    </a:p>
-                  </a:txBody>
-                  <a:tcPr/>
-                </a:tc>
-                <a:tc>
-                  <a:txBody>
-                    <a:bodyPr/>
-                    <a:lstStyle/>
-                    <a:p>
-                      <a:pPr algn="ctr" latinLnBrk="1"/>
-                      <a:endParaRPr lang="ko-KR" altLang="en-US">
-                        <a:latin typeface="Times New Roman" panose="02020603050405020304" pitchFamily="18" charset="0"/>
-                        <a:cs typeface="Times New Roman" panose="02020603050405020304" pitchFamily="18" charset="0"/>
-                      </a:endParaRPr>
-                    </a:p>
-                  </a:txBody>
-                  <a:tcPr/>
-                </a:tc>
-                <a:tc>
-                  <a:txBody>
-                    <a:bodyPr/>
-                    <a:lstStyle/>
-                    <a:p>
-                      <a:pPr algn="ctr" latinLnBrk="1"/>
-                      <a:endParaRPr lang="ko-KR" altLang="en-US">
+                      <a:r>
+                        <a:rPr lang="en-US" altLang="ko-KR" dirty="0">
+                          <a:latin typeface="Times New Roman" panose="02020603050405020304" pitchFamily="18" charset="0"/>
+                          <a:cs typeface="Times New Roman" panose="02020603050405020304" pitchFamily="18" charset="0"/>
+                        </a:rPr>
+                        <a:t>0.</a:t>
+                      </a:r>
+                      <a:r>
+                        <a:rPr lang="en-US" altLang="ko-KR" sz="1800" kern="1200" dirty="0">
+                          <a:solidFill>
+                            <a:schemeClr val="tx1"/>
+                          </a:solidFill>
+                          <a:effectLst/>
+                          <a:latin typeface="Times New Roman" panose="02020603050405020304" pitchFamily="18" charset="0"/>
+                          <a:ea typeface="+mn-ea"/>
+                          <a:cs typeface="Times New Roman" panose="02020603050405020304" pitchFamily="18" charset="0"/>
+                        </a:rPr>
+                        <a:t>99553</a:t>
+                      </a:r>
+                      <a:r>
+                        <a:rPr lang="en-US" altLang="ko-KR" dirty="0">
+                          <a:latin typeface="Times New Roman" panose="02020603050405020304" pitchFamily="18" charset="0"/>
+                          <a:cs typeface="Times New Roman" panose="02020603050405020304" pitchFamily="18" charset="0"/>
+                        </a:rPr>
+                        <a:t>/</a:t>
+                      </a:r>
+                    </a:p>
+                    <a:p>
+                      <a:pPr algn="ctr" latinLnBrk="1"/>
+                      <a:r>
+                        <a:rPr lang="en-US" altLang="ko-KR" dirty="0">
+                          <a:latin typeface="Times New Roman" panose="02020603050405020304" pitchFamily="18" charset="0"/>
+                          <a:cs typeface="Times New Roman" panose="02020603050405020304" pitchFamily="18" charset="0"/>
+                        </a:rPr>
+                        <a:t>0.</a:t>
+                      </a:r>
+                      <a:r>
+                        <a:rPr lang="en-US" altLang="ko-KR" sz="1800" kern="1200" dirty="0">
+                          <a:solidFill>
+                            <a:schemeClr val="tx1"/>
+                          </a:solidFill>
+                          <a:effectLst/>
+                          <a:latin typeface="Times New Roman" panose="02020603050405020304" pitchFamily="18" charset="0"/>
+                          <a:ea typeface="+mn-ea"/>
+                          <a:cs typeface="Times New Roman" panose="02020603050405020304" pitchFamily="18" charset="0"/>
+                        </a:rPr>
+                        <a:t>86866</a:t>
+                      </a:r>
+                      <a:r>
+                        <a:rPr lang="en-US" altLang="ko-KR" dirty="0">
+                          <a:latin typeface="Times New Roman" panose="02020603050405020304" pitchFamily="18" charset="0"/>
+                          <a:cs typeface="Times New Roman" panose="02020603050405020304" pitchFamily="18" charset="0"/>
+                        </a:rPr>
+                        <a:t>/</a:t>
+                      </a:r>
+                    </a:p>
+                    <a:p>
+                      <a:pPr algn="ctr" latinLnBrk="1"/>
+                      <a:r>
+                        <a:rPr lang="en-US" altLang="ko-KR" sz="1800" kern="1200" dirty="0">
+                          <a:solidFill>
+                            <a:schemeClr val="tx1"/>
+                          </a:solidFill>
+                          <a:effectLst/>
+                          <a:latin typeface="Times New Roman" panose="02020603050405020304" pitchFamily="18" charset="0"/>
+                          <a:ea typeface="+mn-ea"/>
+                          <a:cs typeface="Times New Roman" panose="02020603050405020304" pitchFamily="18" charset="0"/>
+                        </a:rPr>
+                        <a:t>0.62832</a:t>
+                      </a:r>
+                      <a:endParaRPr lang="ko-KR" altLang="en-US" dirty="0">
+                        <a:latin typeface="Times New Roman" panose="02020603050405020304" pitchFamily="18" charset="0"/>
+                        <a:cs typeface="Times New Roman" panose="02020603050405020304" pitchFamily="18" charset="0"/>
+                      </a:endParaRPr>
+                    </a:p>
+                  </a:txBody>
+                  <a:tcPr/>
+                </a:tc>
+                <a:tc>
+                  <a:txBody>
+                    <a:bodyPr/>
+                    <a:lstStyle/>
+                    <a:p>
+                      <a:pPr algn="ctr" latinLnBrk="1"/>
+                      <a:r>
+                        <a:rPr lang="en-US" altLang="ko-KR" dirty="0">
+                          <a:latin typeface="Times New Roman" panose="02020603050405020304" pitchFamily="18" charset="0"/>
+                          <a:cs typeface="Times New Roman" panose="02020603050405020304" pitchFamily="18" charset="0"/>
+                        </a:rPr>
+                        <a:t>0.</a:t>
+                      </a:r>
+                      <a:r>
+                        <a:rPr lang="en-US" altLang="ko-KR" sz="1800" kern="1200" dirty="0">
+                          <a:solidFill>
+                            <a:schemeClr val="tx1"/>
+                          </a:solidFill>
+                          <a:effectLst/>
+                          <a:latin typeface="Times New Roman" panose="02020603050405020304" pitchFamily="18" charset="0"/>
+                          <a:ea typeface="+mn-ea"/>
+                          <a:cs typeface="Times New Roman" panose="02020603050405020304" pitchFamily="18" charset="0"/>
+                        </a:rPr>
+                        <a:t>99553</a:t>
+                      </a:r>
+                      <a:r>
+                        <a:rPr lang="en-US" altLang="ko-KR" dirty="0">
+                          <a:latin typeface="Times New Roman" panose="02020603050405020304" pitchFamily="18" charset="0"/>
+                          <a:cs typeface="Times New Roman" panose="02020603050405020304" pitchFamily="18" charset="0"/>
+                        </a:rPr>
+                        <a:t>/</a:t>
+                      </a:r>
+                    </a:p>
+                    <a:p>
+                      <a:pPr algn="ctr" latinLnBrk="1"/>
+                      <a:r>
+                        <a:rPr lang="en-US" altLang="ko-KR" dirty="0">
+                          <a:latin typeface="Times New Roman" panose="02020603050405020304" pitchFamily="18" charset="0"/>
+                          <a:cs typeface="Times New Roman" panose="02020603050405020304" pitchFamily="18" charset="0"/>
+                        </a:rPr>
+                        <a:t>0.</a:t>
+                      </a:r>
+                      <a:r>
+                        <a:rPr lang="en-US" altLang="ko-KR" sz="1800" kern="1200" dirty="0">
+                          <a:solidFill>
+                            <a:schemeClr val="tx1"/>
+                          </a:solidFill>
+                          <a:effectLst/>
+                          <a:latin typeface="Times New Roman" panose="02020603050405020304" pitchFamily="18" charset="0"/>
+                          <a:ea typeface="+mn-ea"/>
+                          <a:cs typeface="Times New Roman" panose="02020603050405020304" pitchFamily="18" charset="0"/>
+                        </a:rPr>
+                        <a:t>86151</a:t>
+                      </a:r>
+                      <a:r>
+                        <a:rPr lang="en-US" altLang="ko-KR" dirty="0">
+                          <a:latin typeface="Times New Roman" panose="02020603050405020304" pitchFamily="18" charset="0"/>
+                          <a:cs typeface="Times New Roman" panose="02020603050405020304" pitchFamily="18" charset="0"/>
+                        </a:rPr>
+                        <a:t>/</a:t>
+                      </a:r>
+                    </a:p>
+                    <a:p>
+                      <a:pPr algn="ctr" latinLnBrk="1"/>
+                      <a:r>
+                        <a:rPr lang="en-US" altLang="ko-KR" dirty="0">
+                          <a:latin typeface="Times New Roman" panose="02020603050405020304" pitchFamily="18" charset="0"/>
+                          <a:cs typeface="Times New Roman" panose="02020603050405020304" pitchFamily="18" charset="0"/>
+                        </a:rPr>
+                        <a:t>0.</a:t>
+                      </a:r>
+                      <a:r>
+                        <a:rPr lang="en-US" altLang="ko-KR" sz="1800" kern="1200" dirty="0">
+                          <a:solidFill>
+                            <a:schemeClr val="tx1"/>
+                          </a:solidFill>
+                          <a:effectLst/>
+                          <a:latin typeface="Times New Roman" panose="02020603050405020304" pitchFamily="18" charset="0"/>
+                          <a:ea typeface="+mn-ea"/>
+                          <a:cs typeface="Times New Roman" panose="02020603050405020304" pitchFamily="18" charset="0"/>
+                        </a:rPr>
+                        <a:t>58407</a:t>
+                      </a:r>
+                      <a:endParaRPr lang="ko-KR" altLang="en-US" dirty="0">
+                        <a:latin typeface="Times New Roman" panose="02020603050405020304" pitchFamily="18" charset="0"/>
+                        <a:cs typeface="Times New Roman" panose="02020603050405020304" pitchFamily="18" charset="0"/>
+                      </a:endParaRPr>
+                    </a:p>
+                  </a:txBody>
+                  <a:tcPr/>
+                </a:tc>
+                <a:tc>
+                  <a:txBody>
+                    <a:bodyPr/>
+                    <a:lstStyle/>
+                    <a:p>
+                      <a:pPr algn="ctr" latinLnBrk="1"/>
+                      <a:r>
+                        <a:rPr lang="en-US" altLang="ko-KR" dirty="0">
+                          <a:latin typeface="Times New Roman" panose="02020603050405020304" pitchFamily="18" charset="0"/>
+                          <a:cs typeface="Times New Roman" panose="02020603050405020304" pitchFamily="18" charset="0"/>
+                        </a:rPr>
+                        <a:t>0.</a:t>
+                      </a:r>
+                      <a:r>
+                        <a:rPr lang="en-US" altLang="ko-KR" sz="1800" kern="1200" dirty="0">
+                          <a:solidFill>
+                            <a:schemeClr val="tx1"/>
+                          </a:solidFill>
+                          <a:effectLst/>
+                          <a:latin typeface="Times New Roman" panose="02020603050405020304" pitchFamily="18" charset="0"/>
+                          <a:ea typeface="+mn-ea"/>
+                          <a:cs typeface="Times New Roman" panose="02020603050405020304" pitchFamily="18" charset="0"/>
+                        </a:rPr>
+                        <a:t>99606</a:t>
+                      </a:r>
+                      <a:r>
+                        <a:rPr lang="en-US" altLang="ko-KR" dirty="0">
+                          <a:latin typeface="Times New Roman" panose="02020603050405020304" pitchFamily="18" charset="0"/>
+                          <a:cs typeface="Times New Roman" panose="02020603050405020304" pitchFamily="18" charset="0"/>
+                        </a:rPr>
+                        <a:t>/</a:t>
+                      </a:r>
+                    </a:p>
+                    <a:p>
+                      <a:pPr algn="ctr" latinLnBrk="1"/>
+                      <a:r>
+                        <a:rPr lang="en-US" altLang="ko-KR" dirty="0">
+                          <a:latin typeface="Times New Roman" panose="02020603050405020304" pitchFamily="18" charset="0"/>
+                          <a:cs typeface="Times New Roman" panose="02020603050405020304" pitchFamily="18" charset="0"/>
+                        </a:rPr>
+                        <a:t>0.</a:t>
+                      </a:r>
+                      <a:r>
+                        <a:rPr lang="en-US" altLang="ko-KR" sz="1800" kern="1200" dirty="0">
+                          <a:solidFill>
+                            <a:schemeClr val="tx1"/>
+                          </a:solidFill>
+                          <a:effectLst/>
+                          <a:latin typeface="Times New Roman" panose="02020603050405020304" pitchFamily="18" charset="0"/>
+                          <a:ea typeface="+mn-ea"/>
+                          <a:cs typeface="Times New Roman" panose="02020603050405020304" pitchFamily="18" charset="0"/>
+                        </a:rPr>
+                        <a:t>88199</a:t>
+                      </a:r>
+                      <a:r>
+                        <a:rPr lang="en-US" altLang="ko-KR" dirty="0">
+                          <a:latin typeface="Times New Roman" panose="02020603050405020304" pitchFamily="18" charset="0"/>
+                          <a:cs typeface="Times New Roman" panose="02020603050405020304" pitchFamily="18" charset="0"/>
+                        </a:rPr>
+                        <a:t>/</a:t>
+                      </a:r>
+                    </a:p>
+                    <a:p>
+                      <a:pPr algn="ctr" latinLnBrk="1"/>
+                      <a:r>
+                        <a:rPr lang="en-US" altLang="ko-KR" dirty="0">
+                          <a:latin typeface="Times New Roman" panose="02020603050405020304" pitchFamily="18" charset="0"/>
+                          <a:cs typeface="Times New Roman" panose="02020603050405020304" pitchFamily="18" charset="0"/>
+                        </a:rPr>
+                        <a:t>0.</a:t>
+                      </a:r>
+                      <a:r>
+                        <a:rPr lang="en-US" altLang="ko-KR" sz="1800" kern="1200" dirty="0">
+                          <a:solidFill>
+                            <a:schemeClr val="tx1"/>
+                          </a:solidFill>
+                          <a:effectLst/>
+                          <a:latin typeface="Times New Roman" panose="02020603050405020304" pitchFamily="18" charset="0"/>
+                          <a:ea typeface="+mn-ea"/>
+                          <a:cs typeface="Times New Roman" panose="02020603050405020304" pitchFamily="18" charset="0"/>
+                        </a:rPr>
+                        <a:t>63717</a:t>
+                      </a:r>
+                      <a:endParaRPr lang="ko-KR" altLang="en-US" dirty="0">
+                        <a:latin typeface="Times New Roman" panose="02020603050405020304" pitchFamily="18" charset="0"/>
+                        <a:cs typeface="Times New Roman" panose="02020603050405020304" pitchFamily="18" charset="0"/>
+                      </a:endParaRPr>
+                    </a:p>
+                  </a:txBody>
+                  <a:tcPr/>
+                </a:tc>
+                <a:tc>
+                  <a:txBody>
+                    <a:bodyPr/>
+                    <a:lstStyle/>
+                    <a:p>
+                      <a:pPr algn="ctr" latinLnBrk="1"/>
+                      <a:r>
+                        <a:rPr lang="en-US" altLang="ko-KR" dirty="0">
+                          <a:latin typeface="Times New Roman" panose="02020603050405020304" pitchFamily="18" charset="0"/>
+                          <a:cs typeface="Times New Roman" panose="02020603050405020304" pitchFamily="18" charset="0"/>
+                        </a:rPr>
+                        <a:t>0.</a:t>
+                      </a:r>
+                      <a:r>
+                        <a:rPr lang="en-US" altLang="ko-KR" sz="1800" kern="1200" dirty="0">
+                          <a:solidFill>
+                            <a:schemeClr val="tx1"/>
+                          </a:solidFill>
+                          <a:effectLst/>
+                          <a:latin typeface="Times New Roman" panose="02020603050405020304" pitchFamily="18" charset="0"/>
+                          <a:ea typeface="+mn-ea"/>
+                          <a:cs typeface="Times New Roman" panose="02020603050405020304" pitchFamily="18" charset="0"/>
+                        </a:rPr>
+                        <a:t>99553</a:t>
+                      </a:r>
+                      <a:r>
+                        <a:rPr lang="en-US" altLang="ko-KR" dirty="0">
+                          <a:latin typeface="Times New Roman" panose="02020603050405020304" pitchFamily="18" charset="0"/>
+                          <a:cs typeface="Times New Roman" panose="02020603050405020304" pitchFamily="18" charset="0"/>
+                        </a:rPr>
+                        <a:t>/</a:t>
+                      </a:r>
+                    </a:p>
+                    <a:p>
+                      <a:pPr algn="ctr" latinLnBrk="1"/>
+                      <a:r>
+                        <a:rPr lang="en-US" altLang="ko-KR" dirty="0">
+                          <a:latin typeface="Times New Roman" panose="02020603050405020304" pitchFamily="18" charset="0"/>
+                          <a:cs typeface="Times New Roman" panose="02020603050405020304" pitchFamily="18" charset="0"/>
+                        </a:rPr>
+                        <a:t>0.</a:t>
+                      </a:r>
+                      <a:r>
+                        <a:rPr lang="en-US" altLang="ko-KR" sz="1800" kern="1200" dirty="0">
+                          <a:solidFill>
+                            <a:schemeClr val="tx1"/>
+                          </a:solidFill>
+                          <a:effectLst/>
+                          <a:latin typeface="Times New Roman" panose="02020603050405020304" pitchFamily="18" charset="0"/>
+                          <a:ea typeface="+mn-ea"/>
+                          <a:cs typeface="Times New Roman" panose="02020603050405020304" pitchFamily="18" charset="0"/>
+                        </a:rPr>
+                        <a:t>85998</a:t>
+                      </a:r>
+                      <a:r>
+                        <a:rPr lang="en-US" altLang="ko-KR" dirty="0">
+                          <a:latin typeface="Times New Roman" panose="02020603050405020304" pitchFamily="18" charset="0"/>
+                          <a:cs typeface="Times New Roman" panose="02020603050405020304" pitchFamily="18" charset="0"/>
+                        </a:rPr>
+                        <a:t>/</a:t>
+                      </a:r>
+                    </a:p>
+                    <a:p>
+                      <a:pPr algn="ctr" latinLnBrk="1"/>
+                      <a:r>
+                        <a:rPr lang="en-US" altLang="ko-KR" dirty="0">
+                          <a:latin typeface="Times New Roman" panose="02020603050405020304" pitchFamily="18" charset="0"/>
+                          <a:cs typeface="Times New Roman" panose="02020603050405020304" pitchFamily="18" charset="0"/>
+                        </a:rPr>
+                        <a:t>0.</a:t>
+                      </a:r>
+                      <a:r>
+                        <a:rPr lang="en-US" altLang="ko-KR" sz="1800" kern="1200" dirty="0">
+                          <a:solidFill>
+                            <a:schemeClr val="tx1"/>
+                          </a:solidFill>
+                          <a:effectLst/>
+                          <a:latin typeface="Times New Roman" panose="02020603050405020304" pitchFamily="18" charset="0"/>
+                          <a:ea typeface="+mn-ea"/>
+                          <a:cs typeface="Times New Roman" panose="02020603050405020304" pitchFamily="18" charset="0"/>
+                        </a:rPr>
+                        <a:t>57522</a:t>
+                      </a:r>
+                      <a:endParaRPr lang="ko-KR" altLang="en-US" dirty="0">
+                        <a:latin typeface="Times New Roman" panose="02020603050405020304" pitchFamily="18" charset="0"/>
+                        <a:cs typeface="Times New Roman" panose="02020603050405020304" pitchFamily="18" charset="0"/>
+                      </a:endParaRPr>
+                    </a:p>
+                  </a:txBody>
+                  <a:tcPr/>
+                </a:tc>
+                <a:tc>
+                  <a:txBody>
+                    <a:bodyPr/>
+                    <a:lstStyle/>
+                    <a:p>
+                      <a:pPr algn="ctr" latinLnBrk="1"/>
+                      <a:r>
+                        <a:rPr lang="en-US" altLang="ko-KR" dirty="0">
+                          <a:latin typeface="Times New Roman" panose="02020603050405020304" pitchFamily="18" charset="0"/>
+                          <a:cs typeface="Times New Roman" panose="02020603050405020304" pitchFamily="18" charset="0"/>
+                        </a:rPr>
+                        <a:t>0.</a:t>
+                      </a:r>
+                      <a:r>
+                        <a:rPr lang="en-US" altLang="ko-KR" sz="1800" kern="1200" dirty="0">
+                          <a:solidFill>
+                            <a:schemeClr val="tx1"/>
+                          </a:solidFill>
+                          <a:effectLst/>
+                          <a:latin typeface="Times New Roman" panose="02020603050405020304" pitchFamily="18" charset="0"/>
+                          <a:ea typeface="+mn-ea"/>
+                          <a:cs typeface="Times New Roman" panose="02020603050405020304" pitchFamily="18" charset="0"/>
+                        </a:rPr>
+                        <a:t>99651</a:t>
+                      </a:r>
+                      <a:r>
+                        <a:rPr lang="en-US" altLang="ko-KR" dirty="0">
+                          <a:latin typeface="Times New Roman" panose="02020603050405020304" pitchFamily="18" charset="0"/>
+                          <a:cs typeface="Times New Roman" panose="02020603050405020304" pitchFamily="18" charset="0"/>
+                        </a:rPr>
+                        <a:t>/</a:t>
+                      </a:r>
+                    </a:p>
+                    <a:p>
+                      <a:pPr algn="ctr" latinLnBrk="1"/>
+                      <a:r>
+                        <a:rPr lang="en-US" altLang="ko-KR" dirty="0">
+                          <a:latin typeface="Times New Roman" panose="02020603050405020304" pitchFamily="18" charset="0"/>
+                          <a:cs typeface="Times New Roman" panose="02020603050405020304" pitchFamily="18" charset="0"/>
+                        </a:rPr>
+                        <a:t>0.</a:t>
+                      </a:r>
+                      <a:r>
+                        <a:rPr lang="en-US" altLang="ko-KR" sz="1800" kern="1200" dirty="0">
+                          <a:solidFill>
+                            <a:schemeClr val="tx1"/>
+                          </a:solidFill>
+                          <a:effectLst/>
+                          <a:latin typeface="Times New Roman" panose="02020603050405020304" pitchFamily="18" charset="0"/>
+                          <a:ea typeface="+mn-ea"/>
+                          <a:cs typeface="Times New Roman" panose="02020603050405020304" pitchFamily="18" charset="0"/>
+                        </a:rPr>
+                        <a:t>89484</a:t>
+                      </a:r>
+                      <a:r>
+                        <a:rPr lang="en-US" altLang="ko-KR" dirty="0">
+                          <a:latin typeface="Times New Roman" panose="02020603050405020304" pitchFamily="18" charset="0"/>
+                          <a:cs typeface="Times New Roman" panose="02020603050405020304" pitchFamily="18" charset="0"/>
+                        </a:rPr>
+                        <a:t>/</a:t>
+                      </a:r>
+                    </a:p>
+                    <a:p>
+                      <a:pPr algn="ctr" latinLnBrk="1"/>
+                      <a:r>
+                        <a:rPr lang="en-US" altLang="ko-KR" dirty="0">
+                          <a:latin typeface="Times New Roman" panose="02020603050405020304" pitchFamily="18" charset="0"/>
+                          <a:cs typeface="Times New Roman" panose="02020603050405020304" pitchFamily="18" charset="0"/>
+                        </a:rPr>
+                        <a:t>0.</a:t>
+                      </a:r>
+                      <a:r>
+                        <a:rPr lang="en-US" altLang="ko-KR" sz="1800" kern="1200" dirty="0">
+                          <a:solidFill>
+                            <a:schemeClr val="tx1"/>
+                          </a:solidFill>
+                          <a:effectLst/>
+                          <a:latin typeface="Times New Roman" panose="02020603050405020304" pitchFamily="18" charset="0"/>
+                          <a:ea typeface="+mn-ea"/>
+                          <a:cs typeface="Times New Roman" panose="02020603050405020304" pitchFamily="18" charset="0"/>
+                        </a:rPr>
+                        <a:t>66071</a:t>
+                      </a:r>
+                      <a:endParaRPr lang="ko-KR" altLang="en-US" dirty="0">
+                        <a:latin typeface="Times New Roman" panose="02020603050405020304" pitchFamily="18" charset="0"/>
+                        <a:cs typeface="Times New Roman" panose="02020603050405020304" pitchFamily="18" charset="0"/>
+                      </a:endParaRPr>
+                    </a:p>
+                  </a:txBody>
+                  <a:tcPr/>
+                </a:tc>
+                <a:tc>
+                  <a:txBody>
+                    <a:bodyPr/>
+                    <a:lstStyle/>
+                    <a:p>
+                      <a:pPr algn="ctr" latinLnBrk="1"/>
+                      <a:r>
+                        <a:rPr lang="en-US" altLang="ko-KR" dirty="0">
+                          <a:latin typeface="Times New Roman" panose="02020603050405020304" pitchFamily="18" charset="0"/>
+                          <a:cs typeface="Times New Roman" panose="02020603050405020304" pitchFamily="18" charset="0"/>
+                        </a:rPr>
+                        <a:t>0.</a:t>
+                      </a:r>
+                      <a:r>
+                        <a:rPr lang="en-US" altLang="ko-KR" sz="1800" kern="1200" dirty="0">
+                          <a:solidFill>
+                            <a:schemeClr val="tx1"/>
+                          </a:solidFill>
+                          <a:effectLst/>
+                          <a:latin typeface="Times New Roman" panose="02020603050405020304" pitchFamily="18" charset="0"/>
+                          <a:ea typeface="+mn-ea"/>
+                          <a:cs typeface="Times New Roman" panose="02020603050405020304" pitchFamily="18" charset="0"/>
+                        </a:rPr>
+                        <a:t>99583</a:t>
+                      </a:r>
+                      <a:r>
+                        <a:rPr lang="en-US" altLang="ko-KR" dirty="0">
+                          <a:latin typeface="Times New Roman" panose="02020603050405020304" pitchFamily="18" charset="0"/>
+                          <a:cs typeface="Times New Roman" panose="02020603050405020304" pitchFamily="18" charset="0"/>
+                        </a:rPr>
+                        <a:t>/</a:t>
+                      </a:r>
+                    </a:p>
+                    <a:p>
+                      <a:pPr algn="ctr" latinLnBrk="1"/>
+                      <a:r>
+                        <a:rPr lang="en-US" altLang="ko-KR" dirty="0">
+                          <a:latin typeface="Times New Roman" panose="02020603050405020304" pitchFamily="18" charset="0"/>
+                          <a:cs typeface="Times New Roman" panose="02020603050405020304" pitchFamily="18" charset="0"/>
+                        </a:rPr>
+                        <a:t>0.</a:t>
+                      </a:r>
+                      <a:r>
+                        <a:rPr lang="en-US" altLang="ko-KR" sz="1800" kern="1200" dirty="0">
+                          <a:solidFill>
+                            <a:schemeClr val="tx1"/>
+                          </a:solidFill>
+                          <a:effectLst/>
+                          <a:latin typeface="Times New Roman" panose="02020603050405020304" pitchFamily="18" charset="0"/>
+                          <a:ea typeface="+mn-ea"/>
+                          <a:cs typeface="Times New Roman" panose="02020603050405020304" pitchFamily="18" charset="0"/>
+                        </a:rPr>
+                        <a:t>8734</a:t>
+                      </a:r>
+                      <a:r>
+                        <a:rPr lang="en-US" altLang="ko-KR" dirty="0">
+                          <a:latin typeface="Times New Roman" panose="02020603050405020304" pitchFamily="18" charset="0"/>
+                          <a:cs typeface="Times New Roman" panose="02020603050405020304" pitchFamily="18" charset="0"/>
+                        </a:rPr>
+                        <a:t>/</a:t>
+                      </a:r>
+                    </a:p>
+                    <a:p>
+                      <a:pPr algn="ctr" latinLnBrk="1"/>
+                      <a:r>
+                        <a:rPr lang="en-US" altLang="ko-KR" dirty="0">
+                          <a:latin typeface="Times New Roman" panose="02020603050405020304" pitchFamily="18" charset="0"/>
+                          <a:cs typeface="Times New Roman" panose="02020603050405020304" pitchFamily="18" charset="0"/>
+                        </a:rPr>
+                        <a:t>0.</a:t>
+                      </a:r>
+                      <a:r>
+                        <a:rPr lang="en-US" altLang="ko-KR" sz="1800" kern="1200" dirty="0">
+                          <a:solidFill>
+                            <a:schemeClr val="tx1"/>
+                          </a:solidFill>
+                          <a:effectLst/>
+                          <a:latin typeface="Times New Roman" panose="02020603050405020304" pitchFamily="18" charset="0"/>
+                          <a:ea typeface="+mn-ea"/>
+                          <a:cs typeface="Times New Roman" panose="02020603050405020304" pitchFamily="18" charset="0"/>
+                        </a:rPr>
+                        <a:t>6171</a:t>
+                      </a:r>
+                      <a:endParaRPr lang="ko-KR" altLang="en-US" dirty="0">
                         <a:latin typeface="Times New Roman" panose="02020603050405020304" pitchFamily="18" charset="0"/>
                         <a:cs typeface="Times New Roman" panose="02020603050405020304" pitchFamily="18" charset="0"/>
                       </a:endParaRPr>
